--- a/经济学/拥堵费/拥堵费.pptx
+++ b/经济学/拥堵费/拥堵费.pptx
@@ -4,8 +4,21 @@
   <p:sldMasterIdLst>
     <p:sldMasterId id="2147483648" r:id="rId1"/>
   </p:sldMasterIdLst>
+  <p:notesMasterIdLst>
+    <p:notesMasterId r:id="rId13"/>
+  </p:notesMasterIdLst>
   <p:sldIdLst>
     <p:sldId id="256" r:id="rId2"/>
+    <p:sldId id="258" r:id="rId3"/>
+    <p:sldId id="257" r:id="rId4"/>
+    <p:sldId id="259" r:id="rId5"/>
+    <p:sldId id="260" r:id="rId6"/>
+    <p:sldId id="261" r:id="rId7"/>
+    <p:sldId id="262" r:id="rId8"/>
+    <p:sldId id="263" r:id="rId9"/>
+    <p:sldId id="264" r:id="rId10"/>
+    <p:sldId id="265" r:id="rId11"/>
+    <p:sldId id="266" r:id="rId12"/>
   </p:sldIdLst>
   <p:sldSz cx="12192000" cy="6858000"/>
   <p:notesSz cx="6858000" cy="9144000"/>
@@ -104,7 +117,362 @@
       </a:defRPr>
     </a:lvl9pPr>
   </p:defaultTextStyle>
+  <p:extLst>
+    <p:ext uri="{EFAFB233-063F-42B5-8137-9DF3F51BA10A}">
+      <p15:sldGuideLst xmlns:p15="http://schemas.microsoft.com/office/powerpoint/2012/main"/>
+    </p:ext>
+  </p:extLst>
 </p:presentation>
+</file>
+
+<file path=ppt/notesMasters/notesMaster1.xml><?xml version="1.0" encoding="utf-8"?>
+<p:notesMaster xmlns:a="http://schemas.openxmlformats.org/drawingml/2006/main" xmlns:r="http://schemas.openxmlformats.org/officeDocument/2006/relationships" xmlns:p="http://schemas.openxmlformats.org/presentationml/2006/main">
+  <p:cSld>
+    <p:bg>
+      <p:bgRef idx="1001">
+        <a:schemeClr val="bg1"/>
+      </p:bgRef>
+    </p:bg>
+    <p:spTree>
+      <p:nvGrpSpPr>
+        <p:cNvPr id="1" name=""/>
+        <p:cNvGrpSpPr/>
+        <p:nvPr/>
+      </p:nvGrpSpPr>
+      <p:grpSpPr>
+        <a:xfrm>
+          <a:off x="0" y="0"/>
+          <a:ext cx="0" cy="0"/>
+          <a:chOff x="0" y="0"/>
+          <a:chExt cx="0" cy="0"/>
+        </a:xfrm>
+      </p:grpSpPr>
+      <p:sp>
+        <p:nvSpPr>
+          <p:cNvPr id="2" name="页眉占位符 1"/>
+          <p:cNvSpPr>
+            <a:spLocks noGrp="1"/>
+          </p:cNvSpPr>
+          <p:nvPr>
+            <p:ph type="hdr" sz="quarter"/>
+          </p:nvPr>
+        </p:nvSpPr>
+        <p:spPr>
+          <a:xfrm>
+            <a:off x="0" y="0"/>
+            <a:ext cx="2971800" cy="458788"/>
+          </a:xfrm>
+          <a:prstGeom prst="rect">
+            <a:avLst/>
+          </a:prstGeom>
+        </p:spPr>
+        <p:txBody>
+          <a:bodyPr vert="horz" lIns="91440" tIns="45720" rIns="91440" bIns="45720" rtlCol="0"/>
+          <a:lstStyle>
+            <a:lvl1pPr algn="l">
+              <a:defRPr sz="1200"/>
+            </a:lvl1pPr>
+          </a:lstStyle>
+          <a:p>
+            <a:endParaRPr kumimoji="1" lang="zh-CN" altLang="en-US"/>
+          </a:p>
+        </p:txBody>
+      </p:sp>
+      <p:sp>
+        <p:nvSpPr>
+          <p:cNvPr id="3" name="日期占位符 2"/>
+          <p:cNvSpPr>
+            <a:spLocks noGrp="1"/>
+          </p:cNvSpPr>
+          <p:nvPr>
+            <p:ph type="dt" idx="1"/>
+          </p:nvPr>
+        </p:nvSpPr>
+        <p:spPr>
+          <a:xfrm>
+            <a:off x="3884613" y="0"/>
+            <a:ext cx="2971800" cy="458788"/>
+          </a:xfrm>
+          <a:prstGeom prst="rect">
+            <a:avLst/>
+          </a:prstGeom>
+        </p:spPr>
+        <p:txBody>
+          <a:bodyPr vert="horz" lIns="91440" tIns="45720" rIns="91440" bIns="45720" rtlCol="0"/>
+          <a:lstStyle>
+            <a:lvl1pPr algn="r">
+              <a:defRPr sz="1200"/>
+            </a:lvl1pPr>
+          </a:lstStyle>
+          <a:p>
+            <a:fld id="{A8D7EC36-9AFA-3543-AE7C-5600B3A1CE22}" type="datetimeFigureOut">
+              <a:rPr kumimoji="1" lang="zh-CN" altLang="en-US" smtClean="0"/>
+              <a:t>2017/8/15</a:t>
+            </a:fld>
+            <a:endParaRPr kumimoji="1" lang="zh-CN" altLang="en-US"/>
+          </a:p>
+        </p:txBody>
+      </p:sp>
+      <p:sp>
+        <p:nvSpPr>
+          <p:cNvPr id="4" name="幻灯片图像占位符 3"/>
+          <p:cNvSpPr>
+            <a:spLocks noGrp="1" noRot="1" noChangeAspect="1"/>
+          </p:cNvSpPr>
+          <p:nvPr>
+            <p:ph type="sldImg" idx="2"/>
+          </p:nvPr>
+        </p:nvSpPr>
+        <p:spPr>
+          <a:xfrm>
+            <a:off x="685800" y="1143000"/>
+            <a:ext cx="5486400" cy="3086100"/>
+          </a:xfrm>
+          <a:prstGeom prst="rect">
+            <a:avLst/>
+          </a:prstGeom>
+          <a:noFill/>
+          <a:ln w="12700">
+            <a:solidFill>
+              <a:prstClr val="black"/>
+            </a:solidFill>
+          </a:ln>
+        </p:spPr>
+        <p:txBody>
+          <a:bodyPr vert="horz" lIns="91440" tIns="45720" rIns="91440" bIns="45720" rtlCol="0" anchor="ctr"/>
+          <a:lstStyle/>
+          <a:p>
+            <a:endParaRPr lang="zh-CN" altLang="en-US"/>
+          </a:p>
+        </p:txBody>
+      </p:sp>
+      <p:sp>
+        <p:nvSpPr>
+          <p:cNvPr id="5" name="备注占位符 4"/>
+          <p:cNvSpPr>
+            <a:spLocks noGrp="1"/>
+          </p:cNvSpPr>
+          <p:nvPr>
+            <p:ph type="body" sz="quarter" idx="3"/>
+          </p:nvPr>
+        </p:nvSpPr>
+        <p:spPr>
+          <a:xfrm>
+            <a:off x="685800" y="4400550"/>
+            <a:ext cx="5486400" cy="3600450"/>
+          </a:xfrm>
+          <a:prstGeom prst="rect">
+            <a:avLst/>
+          </a:prstGeom>
+        </p:spPr>
+        <p:txBody>
+          <a:bodyPr vert="horz" lIns="91440" tIns="45720" rIns="91440" bIns="45720" rtlCol="0"/>
+          <a:lstStyle/>
+          <a:p>
+            <a:pPr lvl="0"/>
+            <a:r>
+              <a:rPr kumimoji="1" lang="zh-CN" altLang="en-US" smtClean="0"/>
+              <a:t>单击此处编辑母版文本样式</a:t>
+            </a:r>
+          </a:p>
+          <a:p>
+            <a:pPr lvl="1"/>
+            <a:r>
+              <a:rPr kumimoji="1" lang="zh-CN" altLang="en-US" smtClean="0"/>
+              <a:t>二级</a:t>
+            </a:r>
+          </a:p>
+          <a:p>
+            <a:pPr lvl="2"/>
+            <a:r>
+              <a:rPr kumimoji="1" lang="zh-CN" altLang="en-US" smtClean="0"/>
+              <a:t>三级</a:t>
+            </a:r>
+          </a:p>
+          <a:p>
+            <a:pPr lvl="3"/>
+            <a:r>
+              <a:rPr kumimoji="1" lang="zh-CN" altLang="en-US" smtClean="0"/>
+              <a:t>四级</a:t>
+            </a:r>
+          </a:p>
+          <a:p>
+            <a:pPr lvl="4"/>
+            <a:r>
+              <a:rPr kumimoji="1" lang="zh-CN" altLang="en-US" smtClean="0"/>
+              <a:t>五级</a:t>
+            </a:r>
+            <a:endParaRPr kumimoji="1" lang="zh-CN" altLang="en-US"/>
+          </a:p>
+        </p:txBody>
+      </p:sp>
+      <p:sp>
+        <p:nvSpPr>
+          <p:cNvPr id="6" name="页脚占位符 5"/>
+          <p:cNvSpPr>
+            <a:spLocks noGrp="1"/>
+          </p:cNvSpPr>
+          <p:nvPr>
+            <p:ph type="ftr" sz="quarter" idx="4"/>
+          </p:nvPr>
+        </p:nvSpPr>
+        <p:spPr>
+          <a:xfrm>
+            <a:off x="0" y="8685213"/>
+            <a:ext cx="2971800" cy="458787"/>
+          </a:xfrm>
+          <a:prstGeom prst="rect">
+            <a:avLst/>
+          </a:prstGeom>
+        </p:spPr>
+        <p:txBody>
+          <a:bodyPr vert="horz" lIns="91440" tIns="45720" rIns="91440" bIns="45720" rtlCol="0" anchor="b"/>
+          <a:lstStyle>
+            <a:lvl1pPr algn="l">
+              <a:defRPr sz="1200"/>
+            </a:lvl1pPr>
+          </a:lstStyle>
+          <a:p>
+            <a:endParaRPr kumimoji="1" lang="zh-CN" altLang="en-US"/>
+          </a:p>
+        </p:txBody>
+      </p:sp>
+      <p:sp>
+        <p:nvSpPr>
+          <p:cNvPr id="7" name="幻灯片编号占位符 6"/>
+          <p:cNvSpPr>
+            <a:spLocks noGrp="1"/>
+          </p:cNvSpPr>
+          <p:nvPr>
+            <p:ph type="sldNum" sz="quarter" idx="5"/>
+          </p:nvPr>
+        </p:nvSpPr>
+        <p:spPr>
+          <a:xfrm>
+            <a:off x="3884613" y="8685213"/>
+            <a:ext cx="2971800" cy="458787"/>
+          </a:xfrm>
+          <a:prstGeom prst="rect">
+            <a:avLst/>
+          </a:prstGeom>
+        </p:spPr>
+        <p:txBody>
+          <a:bodyPr vert="horz" lIns="91440" tIns="45720" rIns="91440" bIns="45720" rtlCol="0" anchor="b"/>
+          <a:lstStyle>
+            <a:lvl1pPr algn="r">
+              <a:defRPr sz="1200"/>
+            </a:lvl1pPr>
+          </a:lstStyle>
+          <a:p>
+            <a:fld id="{31E8EB64-CF3C-3846-A9A1-92BE1D728084}" type="slidenum">
+              <a:rPr kumimoji="1" lang="zh-CN" altLang="en-US" smtClean="0"/>
+              <a:t>‹#›</a:t>
+            </a:fld>
+            <a:endParaRPr kumimoji="1" lang="zh-CN" altLang="en-US"/>
+          </a:p>
+        </p:txBody>
+      </p:sp>
+    </p:spTree>
+    <p:extLst>
+      <p:ext uri="{BB962C8B-B14F-4D97-AF65-F5344CB8AC3E}">
+        <p14:creationId xmlns:p14="http://schemas.microsoft.com/office/powerpoint/2010/main" val="1545180905"/>
+      </p:ext>
+    </p:extLst>
+  </p:cSld>
+  <p:clrMap bg1="lt1" tx1="dk1" bg2="lt2" tx2="dk2" accent1="accent1" accent2="accent2" accent3="accent3" accent4="accent4" accent5="accent5" accent6="accent6" hlink="hlink" folHlink="folHlink"/>
+  <p:notesStyle>
+    <a:lvl1pPr marL="0" algn="l" defTabSz="914400" rtl="0" eaLnBrk="1" latinLnBrk="0" hangingPunct="1">
+      <a:defRPr sz="1200" kern="1200">
+        <a:solidFill>
+          <a:schemeClr val="tx1"/>
+        </a:solidFill>
+        <a:latin typeface="+mn-lt"/>
+        <a:ea typeface="+mn-ea"/>
+        <a:cs typeface="+mn-cs"/>
+      </a:defRPr>
+    </a:lvl1pPr>
+    <a:lvl2pPr marL="457200" algn="l" defTabSz="914400" rtl="0" eaLnBrk="1" latinLnBrk="0" hangingPunct="1">
+      <a:defRPr sz="1200" kern="1200">
+        <a:solidFill>
+          <a:schemeClr val="tx1"/>
+        </a:solidFill>
+        <a:latin typeface="+mn-lt"/>
+        <a:ea typeface="+mn-ea"/>
+        <a:cs typeface="+mn-cs"/>
+      </a:defRPr>
+    </a:lvl2pPr>
+    <a:lvl3pPr marL="914400" algn="l" defTabSz="914400" rtl="0" eaLnBrk="1" latinLnBrk="0" hangingPunct="1">
+      <a:defRPr sz="1200" kern="1200">
+        <a:solidFill>
+          <a:schemeClr val="tx1"/>
+        </a:solidFill>
+        <a:latin typeface="+mn-lt"/>
+        <a:ea typeface="+mn-ea"/>
+        <a:cs typeface="+mn-cs"/>
+      </a:defRPr>
+    </a:lvl3pPr>
+    <a:lvl4pPr marL="1371600" algn="l" defTabSz="914400" rtl="0" eaLnBrk="1" latinLnBrk="0" hangingPunct="1">
+      <a:defRPr sz="1200" kern="1200">
+        <a:solidFill>
+          <a:schemeClr val="tx1"/>
+        </a:solidFill>
+        <a:latin typeface="+mn-lt"/>
+        <a:ea typeface="+mn-ea"/>
+        <a:cs typeface="+mn-cs"/>
+      </a:defRPr>
+    </a:lvl4pPr>
+    <a:lvl5pPr marL="1828800" algn="l" defTabSz="914400" rtl="0" eaLnBrk="1" latinLnBrk="0" hangingPunct="1">
+      <a:defRPr sz="1200" kern="1200">
+        <a:solidFill>
+          <a:schemeClr val="tx1"/>
+        </a:solidFill>
+        <a:latin typeface="+mn-lt"/>
+        <a:ea typeface="+mn-ea"/>
+        <a:cs typeface="+mn-cs"/>
+      </a:defRPr>
+    </a:lvl5pPr>
+    <a:lvl6pPr marL="2286000" algn="l" defTabSz="914400" rtl="0" eaLnBrk="1" latinLnBrk="0" hangingPunct="1">
+      <a:defRPr sz="1200" kern="1200">
+        <a:solidFill>
+          <a:schemeClr val="tx1"/>
+        </a:solidFill>
+        <a:latin typeface="+mn-lt"/>
+        <a:ea typeface="+mn-ea"/>
+        <a:cs typeface="+mn-cs"/>
+      </a:defRPr>
+    </a:lvl6pPr>
+    <a:lvl7pPr marL="2743200" algn="l" defTabSz="914400" rtl="0" eaLnBrk="1" latinLnBrk="0" hangingPunct="1">
+      <a:defRPr sz="1200" kern="1200">
+        <a:solidFill>
+          <a:schemeClr val="tx1"/>
+        </a:solidFill>
+        <a:latin typeface="+mn-lt"/>
+        <a:ea typeface="+mn-ea"/>
+        <a:cs typeface="+mn-cs"/>
+      </a:defRPr>
+    </a:lvl7pPr>
+    <a:lvl8pPr marL="3200400" algn="l" defTabSz="914400" rtl="0" eaLnBrk="1" latinLnBrk="0" hangingPunct="1">
+      <a:defRPr sz="1200" kern="1200">
+        <a:solidFill>
+          <a:schemeClr val="tx1"/>
+        </a:solidFill>
+        <a:latin typeface="+mn-lt"/>
+        <a:ea typeface="+mn-ea"/>
+        <a:cs typeface="+mn-cs"/>
+      </a:defRPr>
+    </a:lvl8pPr>
+    <a:lvl9pPr marL="3657600" algn="l" defTabSz="914400" rtl="0" eaLnBrk="1" latinLnBrk="0" hangingPunct="1">
+      <a:defRPr sz="1200" kern="1200">
+        <a:solidFill>
+          <a:schemeClr val="tx1"/>
+        </a:solidFill>
+        <a:latin typeface="+mn-lt"/>
+        <a:ea typeface="+mn-ea"/>
+        <a:cs typeface="+mn-cs"/>
+      </a:defRPr>
+    </a:lvl9pPr>
+  </p:notesStyle>
+</p:notesMaster>
 </file>
 
 <file path=ppt/slideLayouts/slideLayout1.xml><?xml version="1.0" encoding="utf-8"?>
@@ -238,7 +606,7 @@
           <a:p>
             <a:fld id="{DF79C491-4B2B-4113-BA86-7BBD2B23571E}" type="datetimeFigureOut">
               <a:rPr lang="zh-CN" altLang="en-US" smtClean="0"/>
-              <a:t>2017/8/2 Wednesday</a:t>
+              <a:t>2017/8/15</a:t>
             </a:fld>
             <a:endParaRPr lang="zh-CN" altLang="en-US"/>
           </a:p>
@@ -408,7 +776,7 @@
           <a:p>
             <a:fld id="{DF79C491-4B2B-4113-BA86-7BBD2B23571E}" type="datetimeFigureOut">
               <a:rPr lang="zh-CN" altLang="en-US" smtClean="0"/>
-              <a:t>2017/8/2 Wednesday</a:t>
+              <a:t>2017/8/15</a:t>
             </a:fld>
             <a:endParaRPr lang="zh-CN" altLang="en-US"/>
           </a:p>
@@ -588,7 +956,7 @@
           <a:p>
             <a:fld id="{DF79C491-4B2B-4113-BA86-7BBD2B23571E}" type="datetimeFigureOut">
               <a:rPr lang="zh-CN" altLang="en-US" smtClean="0"/>
-              <a:t>2017/8/2 Wednesday</a:t>
+              <a:t>2017/8/15</a:t>
             </a:fld>
             <a:endParaRPr lang="zh-CN" altLang="en-US"/>
           </a:p>
@@ -758,7 +1126,7 @@
           <a:p>
             <a:fld id="{DF79C491-4B2B-4113-BA86-7BBD2B23571E}" type="datetimeFigureOut">
               <a:rPr lang="zh-CN" altLang="en-US" smtClean="0"/>
-              <a:t>2017/8/2 Wednesday</a:t>
+              <a:t>2017/8/15</a:t>
             </a:fld>
             <a:endParaRPr lang="zh-CN" altLang="en-US"/>
           </a:p>
@@ -1004,7 +1372,7 @@
           <a:p>
             <a:fld id="{DF79C491-4B2B-4113-BA86-7BBD2B23571E}" type="datetimeFigureOut">
               <a:rPr lang="zh-CN" altLang="en-US" smtClean="0"/>
-              <a:t>2017/8/2 Wednesday</a:t>
+              <a:t>2017/8/15</a:t>
             </a:fld>
             <a:endParaRPr lang="zh-CN" altLang="en-US"/>
           </a:p>
@@ -1236,7 +1604,7 @@
           <a:p>
             <a:fld id="{DF79C491-4B2B-4113-BA86-7BBD2B23571E}" type="datetimeFigureOut">
               <a:rPr lang="zh-CN" altLang="en-US" smtClean="0"/>
-              <a:t>2017/8/2 Wednesday</a:t>
+              <a:t>2017/8/15</a:t>
             </a:fld>
             <a:endParaRPr lang="zh-CN" altLang="en-US"/>
           </a:p>
@@ -1603,7 +1971,7 @@
           <a:p>
             <a:fld id="{DF79C491-4B2B-4113-BA86-7BBD2B23571E}" type="datetimeFigureOut">
               <a:rPr lang="zh-CN" altLang="en-US" smtClean="0"/>
-              <a:t>2017/8/2 Wednesday</a:t>
+              <a:t>2017/8/15</a:t>
             </a:fld>
             <a:endParaRPr lang="zh-CN" altLang="en-US"/>
           </a:p>
@@ -1721,7 +2089,7 @@
           <a:p>
             <a:fld id="{DF79C491-4B2B-4113-BA86-7BBD2B23571E}" type="datetimeFigureOut">
               <a:rPr lang="zh-CN" altLang="en-US" smtClean="0"/>
-              <a:t>2017/8/2 Wednesday</a:t>
+              <a:t>2017/8/15</a:t>
             </a:fld>
             <a:endParaRPr lang="zh-CN" altLang="en-US"/>
           </a:p>
@@ -1816,7 +2184,7 @@
           <a:p>
             <a:fld id="{DF79C491-4B2B-4113-BA86-7BBD2B23571E}" type="datetimeFigureOut">
               <a:rPr lang="zh-CN" altLang="en-US" smtClean="0"/>
-              <a:t>2017/8/2 Wednesday</a:t>
+              <a:t>2017/8/15</a:t>
             </a:fld>
             <a:endParaRPr lang="zh-CN" altLang="en-US"/>
           </a:p>
@@ -2093,7 +2461,7 @@
           <a:p>
             <a:fld id="{DF79C491-4B2B-4113-BA86-7BBD2B23571E}" type="datetimeFigureOut">
               <a:rPr lang="zh-CN" altLang="en-US" smtClean="0"/>
-              <a:t>2017/8/2 Wednesday</a:t>
+              <a:t>2017/8/15</a:t>
             </a:fld>
             <a:endParaRPr lang="zh-CN" altLang="en-US"/>
           </a:p>
@@ -2346,7 +2714,7 @@
           <a:p>
             <a:fld id="{DF79C491-4B2B-4113-BA86-7BBD2B23571E}" type="datetimeFigureOut">
               <a:rPr lang="zh-CN" altLang="en-US" smtClean="0"/>
-              <a:t>2017/8/2 Wednesday</a:t>
+              <a:t>2017/8/15</a:t>
             </a:fld>
             <a:endParaRPr lang="zh-CN" altLang="en-US"/>
           </a:p>
@@ -2559,7 +2927,7 @@
           <a:p>
             <a:fld id="{DF79C491-4B2B-4113-BA86-7BBD2B23571E}" type="datetimeFigureOut">
               <a:rPr lang="zh-CN" altLang="en-US" smtClean="0"/>
-              <a:t>2017/8/2 Wednesday</a:t>
+              <a:t>2017/8/15</a:t>
             </a:fld>
             <a:endParaRPr lang="zh-CN" altLang="en-US"/>
           </a:p>
@@ -2974,31 +3342,108 @@
             <p:ph type="ctrTitle"/>
           </p:nvPr>
         </p:nvSpPr>
-        <p:spPr/>
+        <p:spPr>
+          <a:xfrm>
+            <a:off x="1538068" y="703385"/>
+            <a:ext cx="9144000" cy="1160658"/>
+          </a:xfrm>
+        </p:spPr>
         <p:txBody>
           <a:bodyPr/>
           <a:lstStyle/>
           <a:p>
-            <a:endParaRPr lang="zh-CN" altLang="en-US"/>
-          </a:p>
-        </p:txBody>
-      </p:sp>
-      <p:sp>
-        <p:nvSpPr>
-          <p:cNvPr id="3" name="副标题 2"/>
-          <p:cNvSpPr>
-            <a:spLocks noGrp="1"/>
-          </p:cNvSpPr>
-          <p:nvPr>
-            <p:ph type="subTitle" idx="1"/>
-          </p:nvPr>
-        </p:nvSpPr>
-        <p:spPr/>
-        <p:txBody>
-          <a:bodyPr/>
-          <a:lstStyle/>
-          <a:p>
-            <a:endParaRPr lang="zh-CN" altLang="en-US"/>
+            <a:r>
+              <a:rPr lang="zh-CN" altLang="en-US" dirty="0"/>
+              <a:t>公地的悲剧</a:t>
+            </a:r>
+          </a:p>
+        </p:txBody>
+      </p:sp>
+      <p:sp>
+        <p:nvSpPr>
+          <p:cNvPr id="4" name="矩形 3"/>
+          <p:cNvSpPr/>
+          <p:nvPr/>
+        </p:nvSpPr>
+        <p:spPr>
+          <a:xfrm>
+            <a:off x="1894448" y="2115738"/>
+            <a:ext cx="8787619" cy="1200329"/>
+          </a:xfrm>
+          <a:prstGeom prst="rect">
+            <a:avLst/>
+          </a:prstGeom>
+        </p:spPr>
+        <p:txBody>
+          <a:bodyPr wrap="square">
+            <a:spAutoFit/>
+          </a:bodyPr>
+          <a:lstStyle/>
+          <a:p>
+            <a:r>
+              <a:rPr lang="zh-CN" altLang="en-US">
+                <a:solidFill>
+                  <a:srgbClr val="333333"/>
+                </a:solidFill>
+                <a:latin typeface="arial" charset="0"/>
+              </a:rPr>
+              <a:t>英国曾经有这样一种土地制度</a:t>
+            </a:r>
+            <a:r>
+              <a:rPr lang="en-US" altLang="zh-CN" dirty="0">
+                <a:solidFill>
+                  <a:srgbClr val="333333"/>
+                </a:solidFill>
+                <a:latin typeface="arial" charset="0"/>
+              </a:rPr>
+              <a:t>——</a:t>
+            </a:r>
+            <a:r>
+              <a:rPr lang="zh-CN" altLang="en-US" dirty="0">
+                <a:solidFill>
+                  <a:srgbClr val="333333"/>
+                </a:solidFill>
+                <a:latin typeface="arial" charset="0"/>
+              </a:rPr>
+              <a:t>封建主在自己的领地中划出一片尚未耕种的土地作为牧场</a:t>
+            </a:r>
+            <a:r>
+              <a:rPr lang="en-US" altLang="zh-CN" dirty="0">
+                <a:solidFill>
+                  <a:srgbClr val="333333"/>
+                </a:solidFill>
+                <a:latin typeface="arial" charset="0"/>
+              </a:rPr>
+              <a:t>(</a:t>
+            </a:r>
+            <a:r>
+              <a:rPr lang="zh-CN" altLang="en-US" dirty="0">
+                <a:solidFill>
+                  <a:srgbClr val="333333"/>
+                </a:solidFill>
+                <a:latin typeface="arial" charset="0"/>
+              </a:rPr>
+              <a:t>称为“公地”</a:t>
+            </a:r>
+            <a:r>
+              <a:rPr lang="en-US" altLang="zh-CN" dirty="0">
+                <a:solidFill>
+                  <a:srgbClr val="333333"/>
+                </a:solidFill>
+                <a:latin typeface="arial" charset="0"/>
+              </a:rPr>
+              <a:t>)</a:t>
+            </a:r>
+            <a:r>
+              <a:rPr lang="zh-CN" altLang="en-US" dirty="0">
+                <a:solidFill>
+                  <a:srgbClr val="333333"/>
+                </a:solidFill>
+                <a:latin typeface="arial" charset="0"/>
+              </a:rPr>
+              <a:t>，无偿向牧民开放。这本来是一件造福于民的事，但由于是无偿放牧，每个牧民都养尽可能多的牛羊。随着牛羊数量无节制地增加，公地牧场最终因“超载”而成为不毛之地，牧民的牛羊最终全部饿死。</a:t>
+            </a:r>
+            <a:endParaRPr lang="zh-CN" altLang="en-US" dirty="0"/>
           </a:p>
         </p:txBody>
       </p:sp>
@@ -3006,6 +3451,2096 @@
     <p:extLst>
       <p:ext uri="{BB962C8B-B14F-4D97-AF65-F5344CB8AC3E}">
         <p14:creationId xmlns:p14="http://schemas.microsoft.com/office/powerpoint/2010/main" val="2473381394"/>
+      </p:ext>
+    </p:extLst>
+  </p:cSld>
+  <p:clrMapOvr>
+    <a:masterClrMapping/>
+  </p:clrMapOvr>
+</p:sld>
+</file>
+
+<file path=ppt/slides/slide10.xml><?xml version="1.0" encoding="utf-8"?>
+<p:sld xmlns:a="http://schemas.openxmlformats.org/drawingml/2006/main" xmlns:r="http://schemas.openxmlformats.org/officeDocument/2006/relationships" xmlns:p="http://schemas.openxmlformats.org/presentationml/2006/main">
+  <p:cSld>
+    <p:spTree>
+      <p:nvGrpSpPr>
+        <p:cNvPr id="1" name=""/>
+        <p:cNvGrpSpPr/>
+        <p:nvPr/>
+      </p:nvGrpSpPr>
+      <p:grpSpPr>
+        <a:xfrm>
+          <a:off x="0" y="0"/>
+          <a:ext cx="0" cy="0"/>
+          <a:chOff x="0" y="0"/>
+          <a:chExt cx="0" cy="0"/>
+        </a:xfrm>
+      </p:grpSpPr>
+      <p:sp>
+        <p:nvSpPr>
+          <p:cNvPr id="2" name="标题 1"/>
+          <p:cNvSpPr>
+            <a:spLocks noGrp="1"/>
+          </p:cNvSpPr>
+          <p:nvPr>
+            <p:ph type="ctrTitle"/>
+          </p:nvPr>
+        </p:nvSpPr>
+        <p:spPr>
+          <a:xfrm>
+            <a:off x="1425526" y="618977"/>
+            <a:ext cx="9144000" cy="682357"/>
+          </a:xfrm>
+        </p:spPr>
+        <p:txBody>
+          <a:bodyPr>
+            <a:noAutofit/>
+          </a:bodyPr>
+          <a:lstStyle/>
+          <a:p>
+            <a:r>
+              <a:rPr lang="zh-CN" altLang="en-US" sz="3600" dirty="0"/>
+              <a:t>征收拥堵费有益于穷人</a:t>
+            </a:r>
+            <a:endParaRPr lang="zh-CN" altLang="en-US" sz="3600" dirty="0"/>
+          </a:p>
+        </p:txBody>
+      </p:sp>
+      <p:sp>
+        <p:nvSpPr>
+          <p:cNvPr id="6" name="Rectangle 3"/>
+          <p:cNvSpPr>
+            <a:spLocks noChangeArrowheads="1"/>
+          </p:cNvSpPr>
+          <p:nvPr/>
+        </p:nvSpPr>
+        <p:spPr bwMode="auto">
+          <a:xfrm>
+            <a:off x="604910" y="1519470"/>
+            <a:ext cx="11380764" cy="4062651"/>
+          </a:xfrm>
+          <a:prstGeom prst="rect">
+            <a:avLst/>
+          </a:prstGeom>
+          <a:noFill/>
+          <a:ln>
+            <a:noFill/>
+          </a:ln>
+          <a:effectLst/>
+          <a:extLst>
+            <a:ext uri="{909E8E84-426E-40DD-AFC4-6F175D3DCCD1}">
+              <a14:hiddenFill xmlns:a14="http://schemas.microsoft.com/office/drawing/2010/main">
+                <a:solidFill>
+                  <a:schemeClr val="accent1"/>
+                </a:solidFill>
+              </a14:hiddenFill>
+            </a:ext>
+            <a:ext uri="{91240B29-F687-4F45-9708-019B960494DF}">
+              <a14:hiddenLine xmlns:a14="http://schemas.microsoft.com/office/drawing/2010/main" w="9525">
+                <a:solidFill>
+                  <a:schemeClr val="tx1"/>
+                </a:solidFill>
+                <a:miter lim="800000"/>
+                <a:headEnd/>
+                <a:tailEnd/>
+              </a14:hiddenLine>
+            </a:ext>
+            <a:ext uri="{AF507438-7753-43E0-B8FC-AC1667EBCBE1}">
+              <a14:hiddenEffects xmlns:a14="http://schemas.microsoft.com/office/drawing/2010/main">
+                <a:effectLst>
+                  <a:outerShdw blurRad="63500" dist="38099" dir="2700000" algn="ctr" rotWithShape="0">
+                    <a:schemeClr val="bg2">
+                      <a:alpha val="74998"/>
+                    </a:schemeClr>
+                  </a:outerShdw>
+                </a:effectLst>
+              </a14:hiddenEffects>
+            </a:ext>
+          </a:extLst>
+        </p:spPr>
+        <p:txBody>
+          <a:bodyPr vert="horz" wrap="square" lIns="0" tIns="0" rIns="0" bIns="0" numCol="1" anchor="ctr" anchorCtr="0" compatLnSpc="1">
+            <a:prstTxWarp prst="textNoShape">
+              <a:avLst/>
+            </a:prstTxWarp>
+            <a:spAutoFit/>
+          </a:bodyPr>
+          <a:lstStyle/>
+          <a:p>
+            <a:pPr lvl="0" eaLnBrk="0" fontAlgn="base" hangingPunct="0">
+              <a:spcBef>
+                <a:spcPct val="0"/>
+              </a:spcBef>
+              <a:spcAft>
+                <a:spcPct val="0"/>
+              </a:spcAft>
+            </a:pPr>
+            <a:r>
+              <a:rPr lang="zh-CN" altLang="en-US" sz="2400" dirty="0"/>
+              <a:t>还有很多人认为收拥堵费对穷人是不利的。</a:t>
+            </a:r>
+            <a:br>
+              <a:rPr lang="zh-CN" altLang="en-US" sz="2400" dirty="0"/>
+            </a:br>
+            <a:r>
+              <a:rPr lang="zh-CN" altLang="en-US" sz="2400" dirty="0"/>
+              <a:t>在我看来恰恰相反，收拥堵费是对富人的惩罚，对那些在上班高峰期还要坚持一个人开一辆车的人的惩罚。而穷人，哪怕公共汽车都要交拥堵费，我们不说公共汽车要得到豁免，我们说哪怕公共汽车都要交拥堵费，但穷人可以联合起来，十几个人、二十几个人一起跟那些一个人开车的富人竞价。</a:t>
+            </a:r>
+            <a:br>
+              <a:rPr lang="zh-CN" altLang="en-US" sz="2400" dirty="0"/>
+            </a:br>
+            <a:r>
+              <a:rPr lang="zh-CN" altLang="en-US" sz="2400" dirty="0"/>
+              <a:t>每当我在冬天上下班时间经过公交汽车站，看着那密密麻麻的人群，他们在等公共汽车的时候，我就想，如果真的能够收交通拥堵费，公共汽车都能够准点到达，他们每一个人只需要多付几分钱、几毛钱就能够得益。</a:t>
+            </a:r>
+            <a:br>
+              <a:rPr lang="zh-CN" altLang="en-US" sz="2400" dirty="0"/>
+            </a:br>
+            <a:r>
+              <a:rPr lang="zh-CN" altLang="en-US" sz="2400" dirty="0"/>
+              <a:t>其实国际上有一些大城市，早就开始实施收拥堵费的做法了，比方说伦敦、新加坡都是很好的例子。当然这种做法还没有得到更大范围的普及，这当中的困难不仅仅是技术上的，更重要的是思想上的。</a:t>
+            </a:r>
+            <a:endParaRPr kumimoji="0" lang="zh-CN" altLang="zh-CN" sz="2400" b="0" i="0" u="none" strike="noStrike" cap="none" normalizeH="0" baseline="0" dirty="0">
+              <a:ln>
+                <a:noFill/>
+              </a:ln>
+              <a:solidFill>
+                <a:schemeClr val="tx1"/>
+              </a:solidFill>
+              <a:effectLst/>
+              <a:latin typeface="Arial" charset="0"/>
+            </a:endParaRPr>
+          </a:p>
+        </p:txBody>
+      </p:sp>
+      <p:sp>
+        <p:nvSpPr>
+          <p:cNvPr id="7" name="AutoShape 4" descr="https://wx2.qq.com/cgi-bin/mmwebwx-bin/webwxgeticon?seq=1904718054&amp;username=@551ae87aa82b3afc8bb470784657bd546e4c276413aefee5c61fb1c7e643ab11&amp;skey=@crypt_37a45a30_b6c2817f85c988af96a6c6778b8e3d60"/>
+          <p:cNvSpPr>
+            <a:spLocks noChangeAspect="1" noChangeArrowheads="1"/>
+          </p:cNvSpPr>
+          <p:nvPr/>
+        </p:nvSpPr>
+        <p:spPr bwMode="auto">
+          <a:xfrm>
+            <a:off x="0" y="0"/>
+            <a:ext cx="304800" cy="304800"/>
+          </a:xfrm>
+          <a:prstGeom prst="rect">
+            <a:avLst/>
+          </a:prstGeom>
+          <a:noFill/>
+          <a:extLst>
+            <a:ext uri="{909E8E84-426E-40DD-AFC4-6F175D3DCCD1}">
+              <a14:hiddenFill xmlns:a14="http://schemas.microsoft.com/office/drawing/2010/main">
+                <a:solidFill>
+                  <a:srgbClr val="FFFFFF"/>
+                </a:solidFill>
+              </a14:hiddenFill>
+            </a:ext>
+          </a:extLst>
+        </p:spPr>
+        <p:txBody>
+          <a:bodyPr vert="horz" wrap="square" lIns="91440" tIns="45720" rIns="91440" bIns="45720" numCol="1" anchor="t" anchorCtr="0" compatLnSpc="1">
+            <a:prstTxWarp prst="textNoShape">
+              <a:avLst/>
+            </a:prstTxWarp>
+          </a:bodyPr>
+          <a:lstStyle/>
+          <a:p>
+            <a:endParaRPr lang="zh-CN" altLang="en-US"/>
+          </a:p>
+        </p:txBody>
+      </p:sp>
+    </p:spTree>
+    <p:extLst>
+      <p:ext uri="{BB962C8B-B14F-4D97-AF65-F5344CB8AC3E}">
+        <p14:creationId xmlns:p14="http://schemas.microsoft.com/office/powerpoint/2010/main" val="878727945"/>
+      </p:ext>
+    </p:extLst>
+  </p:cSld>
+  <p:clrMapOvr>
+    <a:masterClrMapping/>
+  </p:clrMapOvr>
+</p:sld>
+</file>
+
+<file path=ppt/slides/slide11.xml><?xml version="1.0" encoding="utf-8"?>
+<p:sld xmlns:a="http://schemas.openxmlformats.org/drawingml/2006/main" xmlns:r="http://schemas.openxmlformats.org/officeDocument/2006/relationships" xmlns:p="http://schemas.openxmlformats.org/presentationml/2006/main">
+  <p:cSld>
+    <p:spTree>
+      <p:nvGrpSpPr>
+        <p:cNvPr id="1" name=""/>
+        <p:cNvGrpSpPr/>
+        <p:nvPr/>
+      </p:nvGrpSpPr>
+      <p:grpSpPr>
+        <a:xfrm>
+          <a:off x="0" y="0"/>
+          <a:ext cx="0" cy="0"/>
+          <a:chOff x="0" y="0"/>
+          <a:chExt cx="0" cy="0"/>
+        </a:xfrm>
+      </p:grpSpPr>
+      <p:sp>
+        <p:nvSpPr>
+          <p:cNvPr id="2" name="标题 1"/>
+          <p:cNvSpPr>
+            <a:spLocks noGrp="1"/>
+          </p:cNvSpPr>
+          <p:nvPr>
+            <p:ph type="ctrTitle"/>
+          </p:nvPr>
+        </p:nvSpPr>
+        <p:spPr>
+          <a:xfrm>
+            <a:off x="1256713" y="633044"/>
+            <a:ext cx="9144000" cy="682357"/>
+          </a:xfrm>
+        </p:spPr>
+        <p:txBody>
+          <a:bodyPr>
+            <a:noAutofit/>
+          </a:bodyPr>
+          <a:lstStyle/>
+          <a:p>
+            <a:r>
+              <a:rPr lang="zh-CN" altLang="en-US" sz="3600" dirty="0" smtClean="0"/>
+              <a:t>节假日高速路免费</a:t>
+            </a:r>
+            <a:endParaRPr lang="zh-CN" altLang="en-US" sz="3600" dirty="0"/>
+          </a:p>
+        </p:txBody>
+      </p:sp>
+      <p:sp>
+        <p:nvSpPr>
+          <p:cNvPr id="7" name="AutoShape 4" descr="https://wx2.qq.com/cgi-bin/mmwebwx-bin/webwxgeticon?seq=1904718054&amp;username=@551ae87aa82b3afc8bb470784657bd546e4c276413aefee5c61fb1c7e643ab11&amp;skey=@crypt_37a45a30_b6c2817f85c988af96a6c6778b8e3d60"/>
+          <p:cNvSpPr>
+            <a:spLocks noChangeAspect="1" noChangeArrowheads="1"/>
+          </p:cNvSpPr>
+          <p:nvPr/>
+        </p:nvSpPr>
+        <p:spPr bwMode="auto">
+          <a:xfrm>
+            <a:off x="0" y="0"/>
+            <a:ext cx="304800" cy="304800"/>
+          </a:xfrm>
+          <a:prstGeom prst="rect">
+            <a:avLst/>
+          </a:prstGeom>
+          <a:noFill/>
+          <a:extLst>
+            <a:ext uri="{909E8E84-426E-40DD-AFC4-6F175D3DCCD1}">
+              <a14:hiddenFill xmlns:a14="http://schemas.microsoft.com/office/drawing/2010/main">
+                <a:solidFill>
+                  <a:srgbClr val="FFFFFF"/>
+                </a:solidFill>
+              </a14:hiddenFill>
+            </a:ext>
+          </a:extLst>
+        </p:spPr>
+        <p:txBody>
+          <a:bodyPr vert="horz" wrap="square" lIns="91440" tIns="45720" rIns="91440" bIns="45720" numCol="1" anchor="t" anchorCtr="0" compatLnSpc="1">
+            <a:prstTxWarp prst="textNoShape">
+              <a:avLst/>
+            </a:prstTxWarp>
+          </a:bodyPr>
+          <a:lstStyle/>
+          <a:p>
+            <a:endParaRPr lang="zh-CN" altLang="en-US"/>
+          </a:p>
+        </p:txBody>
+      </p:sp>
+    </p:spTree>
+    <p:extLst>
+      <p:ext uri="{BB962C8B-B14F-4D97-AF65-F5344CB8AC3E}">
+        <p14:creationId xmlns:p14="http://schemas.microsoft.com/office/powerpoint/2010/main" val="535531196"/>
+      </p:ext>
+    </p:extLst>
+  </p:cSld>
+  <p:clrMapOvr>
+    <a:masterClrMapping/>
+  </p:clrMapOvr>
+</p:sld>
+</file>
+
+<file path=ppt/slides/slide2.xml><?xml version="1.0" encoding="utf-8"?>
+<p:sld xmlns:a="http://schemas.openxmlformats.org/drawingml/2006/main" xmlns:r="http://schemas.openxmlformats.org/officeDocument/2006/relationships" xmlns:p="http://schemas.openxmlformats.org/presentationml/2006/main">
+  <p:cSld>
+    <p:spTree>
+      <p:nvGrpSpPr>
+        <p:cNvPr id="1" name=""/>
+        <p:cNvGrpSpPr/>
+        <p:nvPr/>
+      </p:nvGrpSpPr>
+      <p:grpSpPr>
+        <a:xfrm>
+          <a:off x="0" y="0"/>
+          <a:ext cx="0" cy="0"/>
+          <a:chOff x="0" y="0"/>
+          <a:chExt cx="0" cy="0"/>
+        </a:xfrm>
+      </p:grpSpPr>
+      <p:sp>
+        <p:nvSpPr>
+          <p:cNvPr id="4" name="矩形 3"/>
+          <p:cNvSpPr/>
+          <p:nvPr/>
+        </p:nvSpPr>
+        <p:spPr>
+          <a:xfrm>
+            <a:off x="1176997" y="830220"/>
+            <a:ext cx="9922411" cy="3046988"/>
+          </a:xfrm>
+          <a:prstGeom prst="rect">
+            <a:avLst/>
+          </a:prstGeom>
+        </p:spPr>
+        <p:txBody>
+          <a:bodyPr wrap="square">
+            <a:spAutoFit/>
+          </a:bodyPr>
+          <a:lstStyle/>
+          <a:p>
+            <a:r>
+              <a:rPr lang="zh-CN" altLang="en-US" sz="2400" dirty="0"/>
+              <a:t>我先来问你，在你所在的城市，不管哪个城市，任意两点之间，任意一个时间，你要经过这一段路程，从</a:t>
+            </a:r>
+            <a:r>
+              <a:rPr lang="en-US" altLang="zh-CN" sz="2400" dirty="0"/>
+              <a:t>A</a:t>
+            </a:r>
+            <a:r>
+              <a:rPr lang="zh-CN" altLang="en-US" sz="2400" dirty="0"/>
+              <a:t>点到</a:t>
+            </a:r>
+            <a:r>
+              <a:rPr lang="en-US" altLang="zh-CN" sz="2400" dirty="0"/>
+              <a:t>B</a:t>
+            </a:r>
+            <a:r>
+              <a:rPr lang="zh-CN" altLang="en-US" sz="2400" dirty="0"/>
+              <a:t>点，你所在的城市让你交拥堵费。比方说在每天上下班的高峰期，从北京大学到天安门这两点，在你的交通费原来的基础上，再交一个拥堵费，</a:t>
+            </a:r>
+            <a:r>
+              <a:rPr lang="en-US" altLang="zh-CN" sz="2400" dirty="0"/>
+              <a:t>200</a:t>
+            </a:r>
+            <a:r>
+              <a:rPr lang="zh-CN" altLang="en-US" sz="2400" dirty="0"/>
+              <a:t>块钱，你觉得贵不贵？</a:t>
+            </a:r>
+            <a:br>
+              <a:rPr lang="zh-CN" altLang="en-US" sz="2400" dirty="0"/>
+            </a:br>
+            <a:r>
+              <a:rPr lang="zh-CN" altLang="en-US" sz="2400" dirty="0"/>
+              <a:t>当然很贵，每天这样的通勤，城市之间两点任何时候交</a:t>
+            </a:r>
+            <a:r>
+              <a:rPr lang="en-US" altLang="zh-CN" sz="2400" dirty="0"/>
+              <a:t>200</a:t>
+            </a:r>
+            <a:r>
+              <a:rPr lang="zh-CN" altLang="en-US" sz="2400" dirty="0"/>
+              <a:t>块钱，那是相当贵。一个月下来，每个月四个礼拜五天上班，</a:t>
+            </a:r>
+            <a:r>
+              <a:rPr lang="en-US" altLang="zh-CN" sz="2400" dirty="0"/>
+              <a:t>200</a:t>
+            </a:r>
+            <a:r>
+              <a:rPr lang="zh-CN" altLang="en-US" sz="2400" dirty="0"/>
+              <a:t>块钱一程，来回</a:t>
+            </a:r>
+            <a:r>
+              <a:rPr lang="en-US" altLang="zh-CN" sz="2400" dirty="0"/>
+              <a:t>400</a:t>
+            </a:r>
+            <a:r>
+              <a:rPr lang="zh-CN" altLang="en-US" sz="2400" dirty="0"/>
+              <a:t>，一个月</a:t>
+            </a:r>
+            <a:r>
+              <a:rPr lang="en-US" altLang="zh-CN" sz="2400" dirty="0"/>
+              <a:t>8000</a:t>
+            </a:r>
+            <a:r>
+              <a:rPr lang="zh-CN" altLang="en-US" sz="2400" dirty="0"/>
+              <a:t>块钱的交通拥堵费，好贵。我觉得可能除了跨国公司的</a:t>
+            </a:r>
+            <a:r>
+              <a:rPr lang="en-US" altLang="zh-CN" sz="2400" dirty="0"/>
+              <a:t>CEO</a:t>
+            </a:r>
+            <a:r>
+              <a:rPr lang="zh-CN" altLang="en-US" sz="2400" dirty="0"/>
+              <a:t>付得起之外，一般人付不起，这样的拥堵费太贵了。</a:t>
+            </a:r>
+          </a:p>
+        </p:txBody>
+      </p:sp>
+    </p:spTree>
+    <p:extLst>
+      <p:ext uri="{BB962C8B-B14F-4D97-AF65-F5344CB8AC3E}">
+        <p14:creationId xmlns:p14="http://schemas.microsoft.com/office/powerpoint/2010/main" val="466400922"/>
+      </p:ext>
+    </p:extLst>
+  </p:cSld>
+  <p:clrMapOvr>
+    <a:masterClrMapping/>
+  </p:clrMapOvr>
+</p:sld>
+</file>
+
+<file path=ppt/slides/slide3.xml><?xml version="1.0" encoding="utf-8"?>
+<p:sld xmlns:a="http://schemas.openxmlformats.org/drawingml/2006/main" xmlns:r="http://schemas.openxmlformats.org/officeDocument/2006/relationships" xmlns:p="http://schemas.openxmlformats.org/presentationml/2006/main">
+  <p:cSld>
+    <p:spTree>
+      <p:nvGrpSpPr>
+        <p:cNvPr id="1" name=""/>
+        <p:cNvGrpSpPr/>
+        <p:nvPr/>
+      </p:nvGrpSpPr>
+      <p:grpSpPr>
+        <a:xfrm>
+          <a:off x="0" y="0"/>
+          <a:ext cx="0" cy="0"/>
+          <a:chOff x="0" y="0"/>
+          <a:chExt cx="0" cy="0"/>
+        </a:xfrm>
+      </p:grpSpPr>
+      <p:sp>
+        <p:nvSpPr>
+          <p:cNvPr id="2" name="标题 1"/>
+          <p:cNvSpPr>
+            <a:spLocks noGrp="1"/>
+          </p:cNvSpPr>
+          <p:nvPr>
+            <p:ph type="ctrTitle"/>
+          </p:nvPr>
+        </p:nvSpPr>
+        <p:spPr>
+          <a:xfrm>
+            <a:off x="1425526" y="618977"/>
+            <a:ext cx="9144000" cy="682357"/>
+          </a:xfrm>
+        </p:spPr>
+        <p:txBody>
+          <a:bodyPr>
+            <a:noAutofit/>
+          </a:bodyPr>
+          <a:lstStyle/>
+          <a:p>
+            <a:r>
+              <a:rPr lang="zh-CN" altLang="en-US" sz="3600" dirty="0"/>
+              <a:t>拥堵费筛选的不是贫富，而是需求</a:t>
+            </a:r>
+            <a:endParaRPr lang="zh-CN" altLang="en-US" sz="3600" dirty="0"/>
+          </a:p>
+        </p:txBody>
+      </p:sp>
+      <p:sp>
+        <p:nvSpPr>
+          <p:cNvPr id="4" name="矩形 3"/>
+          <p:cNvSpPr/>
+          <p:nvPr/>
+        </p:nvSpPr>
+        <p:spPr>
+          <a:xfrm>
+            <a:off x="928468" y="1524894"/>
+            <a:ext cx="10635175" cy="4708981"/>
+          </a:xfrm>
+          <a:prstGeom prst="rect">
+            <a:avLst/>
+          </a:prstGeom>
+        </p:spPr>
+        <p:txBody>
+          <a:bodyPr wrap="square">
+            <a:spAutoFit/>
+          </a:bodyPr>
+          <a:lstStyle/>
+          <a:p>
+            <a:r>
+              <a:rPr lang="zh-CN" altLang="en-US" sz="2000" dirty="0"/>
+              <a:t>交</a:t>
+            </a:r>
+            <a:r>
+              <a:rPr lang="en-US" altLang="zh-CN" sz="2000" dirty="0"/>
+              <a:t>200</a:t>
+            </a:r>
+            <a:r>
+              <a:rPr lang="zh-CN" altLang="en-US" sz="2000" dirty="0"/>
+              <a:t>块钱足以把大多数人、绝大多数人，都挡在门外，不让他们上路了，把道路空出来了。</a:t>
+            </a:r>
+            <a:br>
+              <a:rPr lang="zh-CN" altLang="en-US" sz="2000" dirty="0"/>
+            </a:br>
+            <a:r>
+              <a:rPr lang="zh-CN" altLang="en-US" sz="2000" dirty="0"/>
+              <a:t>那我来问你，这时候如果有一个乞丐，他太太要生小孩了，赶着去医院。他是个乞丐，他交不交得起这</a:t>
+            </a:r>
+            <a:r>
+              <a:rPr lang="en-US" altLang="zh-CN" sz="2000" dirty="0"/>
+              <a:t>200</a:t>
+            </a:r>
+            <a:r>
+              <a:rPr lang="zh-CN" altLang="en-US" sz="2000" dirty="0"/>
+              <a:t>块钱？把其他人赶出道路，让这条道路空出来，留给他太太赶快上医院。他能不能付得起</a:t>
+            </a:r>
+            <a:r>
+              <a:rPr lang="en-US" altLang="zh-CN" sz="2000" dirty="0"/>
+              <a:t>200</a:t>
+            </a:r>
+            <a:r>
+              <a:rPr lang="zh-CN" altLang="en-US" sz="2000" dirty="0"/>
+              <a:t>块钱？</a:t>
+            </a:r>
+            <a:br>
+              <a:rPr lang="zh-CN" altLang="en-US" sz="2000" dirty="0"/>
+            </a:br>
+            <a:r>
+              <a:rPr lang="zh-CN" altLang="en-US" sz="2000" dirty="0"/>
+              <a:t>一个乞丐，当然可以。哪怕付不起</a:t>
+            </a:r>
+            <a:r>
+              <a:rPr lang="en-US" altLang="zh-CN" sz="2000" dirty="0"/>
+              <a:t>200</a:t>
+            </a:r>
+            <a:r>
+              <a:rPr lang="zh-CN" altLang="en-US" sz="2000" dirty="0"/>
+              <a:t>块钱，他去借</a:t>
+            </a:r>
+            <a:r>
+              <a:rPr lang="en-US" altLang="zh-CN" sz="2000" dirty="0"/>
+              <a:t>200</a:t>
+            </a:r>
+            <a:r>
+              <a:rPr lang="zh-CN" altLang="en-US" sz="2000" dirty="0"/>
+              <a:t>块钱来交这交通拥堵费，有可能吗？当然有可能。</a:t>
+            </a:r>
+            <a:br>
+              <a:rPr lang="zh-CN" altLang="en-US" sz="2000" dirty="0"/>
+            </a:br>
+            <a:r>
+              <a:rPr lang="zh-CN" altLang="en-US" sz="2000" dirty="0"/>
+              <a:t>这时候，问题就很清楚了。任何人，当他需要使用道路的时候，他凑</a:t>
+            </a:r>
+            <a:r>
+              <a:rPr lang="en-US" altLang="zh-CN" sz="2000" dirty="0"/>
+              <a:t>200</a:t>
+            </a:r>
+            <a:r>
+              <a:rPr lang="zh-CN" altLang="en-US" sz="2000" dirty="0"/>
+              <a:t>块钱来使用这个道路，凭着这</a:t>
+            </a:r>
+            <a:r>
+              <a:rPr lang="en-US" altLang="zh-CN" sz="2000" dirty="0"/>
+              <a:t>200</a:t>
+            </a:r>
+            <a:r>
+              <a:rPr lang="zh-CN" altLang="en-US" sz="2000" dirty="0"/>
+              <a:t>块钱把其他人劝退，可能性很高。</a:t>
+            </a:r>
+            <a:br>
+              <a:rPr lang="zh-CN" altLang="en-US" sz="2000" dirty="0"/>
+            </a:br>
+            <a:r>
+              <a:rPr lang="zh-CN" altLang="en-US" sz="2000" dirty="0"/>
+              <a:t>所以说，交通拥堵费筛选的不是贫富，而是需求。不是说你有钱了就不在乎钱，就整天占着那个道路。再有钱的人也会在乎那</a:t>
+            </a:r>
+            <a:r>
+              <a:rPr lang="en-US" altLang="zh-CN" sz="2000" dirty="0"/>
+              <a:t>200</a:t>
+            </a:r>
+            <a:r>
+              <a:rPr lang="zh-CN" altLang="en-US" sz="2000" dirty="0"/>
+              <a:t>块钱，也会在他不需要的时候把道路让出来。有钱人也要省钱。</a:t>
+            </a:r>
+            <a:br>
+              <a:rPr lang="zh-CN" altLang="en-US" sz="2000" dirty="0"/>
+            </a:br>
+            <a:r>
+              <a:rPr lang="zh-CN" altLang="en-US" sz="2000" dirty="0"/>
+              <a:t>你听过吴伯凡老师的</a:t>
+            </a:r>
+            <a:r>
+              <a:rPr lang="en-US" altLang="zh-CN" sz="2000" dirty="0"/>
+              <a:t>《</a:t>
+            </a:r>
+            <a:r>
+              <a:rPr lang="zh-CN" altLang="en-US" sz="2000" dirty="0"/>
+              <a:t>伯凡日知录</a:t>
+            </a:r>
+            <a:r>
+              <a:rPr lang="en-US" altLang="zh-CN" sz="2000" dirty="0"/>
+              <a:t>》</a:t>
+            </a:r>
+            <a:r>
+              <a:rPr lang="zh-CN" altLang="en-US" sz="2000" dirty="0"/>
+              <a:t>吗？他里面讲过，他有一个富豪朋友买了一辆直升机，功能比别的直升机强那么一点点，就贵了</a:t>
+            </a:r>
+            <a:r>
+              <a:rPr lang="en-US" altLang="zh-CN" sz="2000" dirty="0"/>
+              <a:t>4000</a:t>
+            </a:r>
+            <a:r>
+              <a:rPr lang="zh-CN" altLang="en-US" sz="2000" dirty="0"/>
+              <a:t>万。</a:t>
+            </a:r>
+            <a:r>
+              <a:rPr lang="en-US" altLang="zh-CN" sz="2000" dirty="0"/>
+              <a:t>4000</a:t>
+            </a:r>
+            <a:r>
+              <a:rPr lang="zh-CN" altLang="en-US" sz="2000" dirty="0"/>
+              <a:t>万不是直升机的钱，是它额外这点功能的钱。就这么一个富豪，他还为自己怎么样在停车场里面省了一点停车费，而感到非常高兴、非常满足。有钱人也要省钱，拥堵费筛选的不是贫富，而是需求。</a:t>
+            </a:r>
+            <a:endParaRPr lang="zh-CN" altLang="en-US" sz="2000" dirty="0"/>
+          </a:p>
+        </p:txBody>
+      </p:sp>
+    </p:spTree>
+    <p:extLst>
+      <p:ext uri="{BB962C8B-B14F-4D97-AF65-F5344CB8AC3E}">
+        <p14:creationId xmlns:p14="http://schemas.microsoft.com/office/powerpoint/2010/main" val="335727164"/>
+      </p:ext>
+    </p:extLst>
+  </p:cSld>
+  <p:clrMapOvr>
+    <a:masterClrMapping/>
+  </p:clrMapOvr>
+</p:sld>
+</file>
+
+<file path=ppt/slides/slide4.xml><?xml version="1.0" encoding="utf-8"?>
+<p:sld xmlns:a="http://schemas.openxmlformats.org/drawingml/2006/main" xmlns:r="http://schemas.openxmlformats.org/officeDocument/2006/relationships" xmlns:p="http://schemas.openxmlformats.org/presentationml/2006/main">
+  <p:cSld>
+    <p:spTree>
+      <p:nvGrpSpPr>
+        <p:cNvPr id="1" name=""/>
+        <p:cNvGrpSpPr/>
+        <p:nvPr/>
+      </p:nvGrpSpPr>
+      <p:grpSpPr>
+        <a:xfrm>
+          <a:off x="0" y="0"/>
+          <a:ext cx="0" cy="0"/>
+          <a:chOff x="0" y="0"/>
+          <a:chExt cx="0" cy="0"/>
+        </a:xfrm>
+      </p:grpSpPr>
+      <p:sp>
+        <p:nvSpPr>
+          <p:cNvPr id="2" name="标题 1"/>
+          <p:cNvSpPr>
+            <a:spLocks noGrp="1"/>
+          </p:cNvSpPr>
+          <p:nvPr>
+            <p:ph type="ctrTitle"/>
+          </p:nvPr>
+        </p:nvSpPr>
+        <p:spPr>
+          <a:xfrm>
+            <a:off x="1425526" y="618977"/>
+            <a:ext cx="9144000" cy="682357"/>
+          </a:xfrm>
+        </p:spPr>
+        <p:txBody>
+          <a:bodyPr>
+            <a:noAutofit/>
+          </a:bodyPr>
+          <a:lstStyle/>
+          <a:p>
+            <a:r>
+              <a:rPr lang="zh-CN" altLang="en-US" sz="3600" dirty="0"/>
+              <a:t>交通拥堵费在美国的实践</a:t>
+            </a:r>
+            <a:endParaRPr lang="zh-CN" altLang="en-US" sz="3600" dirty="0"/>
+          </a:p>
+        </p:txBody>
+      </p:sp>
+      <p:sp>
+        <p:nvSpPr>
+          <p:cNvPr id="6" name="Rectangle 3"/>
+          <p:cNvSpPr>
+            <a:spLocks noChangeArrowheads="1"/>
+          </p:cNvSpPr>
+          <p:nvPr/>
+        </p:nvSpPr>
+        <p:spPr bwMode="auto">
+          <a:xfrm>
+            <a:off x="520504" y="1564243"/>
+            <a:ext cx="11380764" cy="4985980"/>
+          </a:xfrm>
+          <a:prstGeom prst="rect">
+            <a:avLst/>
+          </a:prstGeom>
+          <a:noFill/>
+          <a:ln>
+            <a:noFill/>
+          </a:ln>
+          <a:effectLst/>
+          <a:extLst>
+            <a:ext uri="{909E8E84-426E-40DD-AFC4-6F175D3DCCD1}">
+              <a14:hiddenFill xmlns:a14="http://schemas.microsoft.com/office/drawing/2010/main">
+                <a:solidFill>
+                  <a:schemeClr val="accent1"/>
+                </a:solidFill>
+              </a14:hiddenFill>
+            </a:ext>
+            <a:ext uri="{91240B29-F687-4F45-9708-019B960494DF}">
+              <a14:hiddenLine xmlns:a14="http://schemas.microsoft.com/office/drawing/2010/main" w="9525">
+                <a:solidFill>
+                  <a:schemeClr val="tx1"/>
+                </a:solidFill>
+                <a:miter lim="800000"/>
+                <a:headEnd/>
+                <a:tailEnd/>
+              </a14:hiddenLine>
+            </a:ext>
+            <a:ext uri="{AF507438-7753-43E0-B8FC-AC1667EBCBE1}">
+              <a14:hiddenEffects xmlns:a14="http://schemas.microsoft.com/office/drawing/2010/main">
+                <a:effectLst>
+                  <a:outerShdw blurRad="63500" dist="38099" dir="2700000" algn="ctr" rotWithShape="0">
+                    <a:schemeClr val="bg2">
+                      <a:alpha val="74998"/>
+                    </a:schemeClr>
+                  </a:outerShdw>
+                </a:effectLst>
+              </a14:hiddenEffects>
+            </a:ext>
+          </a:extLst>
+        </p:spPr>
+        <p:txBody>
+          <a:bodyPr vert="horz" wrap="square" lIns="0" tIns="0" rIns="0" bIns="0" numCol="1" anchor="ctr" anchorCtr="0" compatLnSpc="1">
+            <a:prstTxWarp prst="textNoShape">
+              <a:avLst/>
+            </a:prstTxWarp>
+            <a:spAutoFit/>
+          </a:bodyPr>
+          <a:lstStyle/>
+          <a:p>
+            <a:pPr marL="0" marR="0" lvl="0" indent="0" algn="l" defTabSz="914400" rtl="0" eaLnBrk="0" fontAlgn="base" latinLnBrk="0" hangingPunct="0">
+              <a:lnSpc>
+                <a:spcPct val="100000"/>
+              </a:lnSpc>
+              <a:spcBef>
+                <a:spcPct val="0"/>
+              </a:spcBef>
+              <a:spcAft>
+                <a:spcPct val="0"/>
+              </a:spcAft>
+              <a:buClrTx/>
+              <a:buSzTx/>
+              <a:buFontTx/>
+              <a:buNone/>
+              <a:tabLst/>
+            </a:pPr>
+            <a:r>
+              <a:rPr kumimoji="0" lang="zh-CN" altLang="zh-CN" b="0" i="0" u="none" strike="noStrike" cap="none" normalizeH="0" baseline="0" dirty="0">
+                <a:ln>
+                  <a:noFill/>
+                </a:ln>
+                <a:solidFill>
+                  <a:schemeClr val="tx1"/>
+                </a:solidFill>
+                <a:effectLst/>
+                <a:latin typeface="Arial Unicode MS" charset="0"/>
+                <a:ea typeface="inherit" charset="0"/>
+              </a:rPr>
+              <a:t>征收交通拥堵费的想法真的能够实施吗？真的可以实施。在我以前生活过的城市美国首都华盛顿，有一条道路叫495，这条道路每到上下班高峰期就非常拥堵。</a:t>
+            </a:r>
+            <a:br>
+              <a:rPr kumimoji="0" lang="zh-CN" altLang="zh-CN" b="0" i="0" u="none" strike="noStrike" cap="none" normalizeH="0" baseline="0" dirty="0">
+                <a:ln>
+                  <a:noFill/>
+                </a:ln>
+                <a:solidFill>
+                  <a:schemeClr val="tx1"/>
+                </a:solidFill>
+                <a:effectLst/>
+                <a:latin typeface="Arial Unicode MS" charset="0"/>
+                <a:ea typeface="inherit" charset="0"/>
+              </a:rPr>
+            </a:br>
+            <a:r>
+              <a:rPr kumimoji="0" lang="zh-CN" altLang="zh-CN" b="0" i="0" u="none" strike="noStrike" cap="none" normalizeH="0" baseline="0" dirty="0">
+                <a:ln>
+                  <a:noFill/>
+                </a:ln>
+                <a:solidFill>
+                  <a:schemeClr val="tx1"/>
+                </a:solidFill>
+                <a:effectLst/>
+                <a:latin typeface="Arial Unicode MS" charset="0"/>
+                <a:ea typeface="inherit" charset="0"/>
+              </a:rPr>
+              <a:t>以前是通过一些行政的办法来治堵的，比方说早上七点半以后的高峰期，就不准一个人开车上路，车里面必须坐两个人。所以那时候我去上班，每天都要赶早，要七点半以前就下高速公路。</a:t>
+            </a:r>
+            <a:br>
+              <a:rPr kumimoji="0" lang="zh-CN" altLang="zh-CN" b="0" i="0" u="none" strike="noStrike" cap="none" normalizeH="0" baseline="0" dirty="0">
+                <a:ln>
+                  <a:noFill/>
+                </a:ln>
+                <a:solidFill>
+                  <a:schemeClr val="tx1"/>
+                </a:solidFill>
+                <a:effectLst/>
+                <a:latin typeface="Arial Unicode MS" charset="0"/>
+                <a:ea typeface="inherit" charset="0"/>
+              </a:rPr>
+            </a:br>
+            <a:r>
+              <a:rPr kumimoji="0" lang="zh-CN" altLang="zh-CN" b="0" i="0" u="none" strike="noStrike" cap="none" normalizeH="0" baseline="0" dirty="0">
+                <a:ln>
+                  <a:noFill/>
+                </a:ln>
+                <a:solidFill>
+                  <a:schemeClr val="tx1"/>
+                </a:solidFill>
+                <a:effectLst/>
+                <a:latin typeface="Arial Unicode MS" charset="0"/>
+                <a:ea typeface="inherit" charset="0"/>
+              </a:rPr>
+              <a:t>他们现在引进了一套“实时道路拍卖系统”，你看我给你准备的图，路牌上标着当时道路的价格。</a:t>
+            </a:r>
+            <a:br>
+              <a:rPr kumimoji="0" lang="zh-CN" altLang="zh-CN" b="0" i="0" u="none" strike="noStrike" cap="none" normalizeH="0" baseline="0" dirty="0">
+                <a:ln>
+                  <a:noFill/>
+                </a:ln>
+                <a:solidFill>
+                  <a:schemeClr val="tx1"/>
+                </a:solidFill>
+                <a:effectLst/>
+                <a:latin typeface="Arial Unicode MS" charset="0"/>
+                <a:ea typeface="inherit" charset="0"/>
+              </a:rPr>
+            </a:br>
+            <a:r>
+              <a:rPr kumimoji="0" lang="zh-CN" altLang="zh-CN" b="0" i="0" u="none" strike="noStrike" cap="none" normalizeH="0" baseline="0" dirty="0">
+                <a:ln>
+                  <a:noFill/>
+                </a:ln>
+                <a:solidFill>
+                  <a:schemeClr val="tx1"/>
+                </a:solidFill>
+                <a:effectLst/>
+                <a:latin typeface="Arial Unicode MS" charset="0"/>
+                <a:ea typeface="inherit" charset="0"/>
+              </a:rPr>
+              <a:t>如果那条快速通道里面的车多，这个价格就会往上蹿，上不封顶，一直往上升，升到这条道路里面总有一些人他觉得给不起了，太贵了，他撤下来。从而保证这条车道上面的车辆总数，维持在一个合理的范围内，使得车速能够有保障。每小时40英里以上，让你准时上下班。如果快速通道上面车辆数目下降，没那么多车了，价格就往下跌，鼓励别人使用这条道路。</a:t>
+            </a:r>
+            <a:endParaRPr kumimoji="0" lang="zh-CN" altLang="zh-CN" sz="2800" b="0" i="0" u="none" strike="noStrike" cap="none" normalizeH="0" baseline="0" dirty="0">
+              <a:ln>
+                <a:noFill/>
+              </a:ln>
+              <a:solidFill>
+                <a:schemeClr val="tx1"/>
+              </a:solidFill>
+              <a:effectLst/>
+            </a:endParaRPr>
+          </a:p>
+          <a:p>
+            <a:pPr marL="0" marR="0" lvl="0" indent="0" algn="l" defTabSz="914400" rtl="0" eaLnBrk="0" fontAlgn="base" latinLnBrk="0" hangingPunct="0">
+              <a:lnSpc>
+                <a:spcPct val="100000"/>
+              </a:lnSpc>
+              <a:spcBef>
+                <a:spcPct val="0"/>
+              </a:spcBef>
+              <a:spcAft>
+                <a:spcPct val="0"/>
+              </a:spcAft>
+              <a:buClrTx/>
+              <a:buSzTx/>
+              <a:buFontTx/>
+              <a:buNone/>
+              <a:tabLst/>
+            </a:pPr>
+            <a:r>
+              <a:rPr kumimoji="0" lang="zh-CN" altLang="zh-CN" b="0" i="0" u="none" strike="noStrike" cap="none" normalizeH="0" baseline="0" dirty="0" smtClean="0">
+                <a:ln>
+                  <a:noFill/>
+                </a:ln>
+                <a:solidFill>
+                  <a:schemeClr val="tx1"/>
+                </a:solidFill>
+                <a:effectLst/>
+                <a:latin typeface="Arial Unicode MS" charset="0"/>
+                <a:ea typeface="inherit" charset="0"/>
+              </a:rPr>
+              <a:t>如果</a:t>
+            </a:r>
+            <a:r>
+              <a:rPr kumimoji="0" lang="zh-CN" altLang="zh-CN" b="0" i="0" u="none" strike="noStrike" cap="none" normalizeH="0" baseline="0" dirty="0">
+                <a:ln>
+                  <a:noFill/>
+                </a:ln>
+                <a:solidFill>
+                  <a:schemeClr val="tx1"/>
+                </a:solidFill>
+                <a:effectLst/>
+                <a:latin typeface="Arial Unicode MS" charset="0"/>
+                <a:ea typeface="inherit" charset="0"/>
+              </a:rPr>
+              <a:t>那条快速通道里面的车多，这个价格就会往上蹿，上不封顶，一直往上升，升到这条道路里面总有一些人他觉得给不起了，太贵了，他撤下来。从而保证这条车道上面的车辆总数，维持在一个合理的范围内，使得车速能够有保障。每小时40英里以上，让你准时上下班。如果快速通道上面车辆数目下降，没那么多车了，价格就往下跌，鼓励别人使用这条道路。</a:t>
+            </a:r>
+            <a:br>
+              <a:rPr kumimoji="0" lang="zh-CN" altLang="zh-CN" b="0" i="0" u="none" strike="noStrike" cap="none" normalizeH="0" baseline="0" dirty="0">
+                <a:ln>
+                  <a:noFill/>
+                </a:ln>
+                <a:solidFill>
+                  <a:schemeClr val="tx1"/>
+                </a:solidFill>
+                <a:effectLst/>
+                <a:latin typeface="Arial Unicode MS" charset="0"/>
+                <a:ea typeface="inherit" charset="0"/>
+              </a:rPr>
+            </a:br>
+            <a:r>
+              <a:rPr kumimoji="0" lang="zh-CN" altLang="zh-CN" b="0" i="0" u="none" strike="noStrike" cap="none" normalizeH="0" baseline="0" dirty="0">
+                <a:ln>
+                  <a:noFill/>
+                </a:ln>
+                <a:solidFill>
+                  <a:schemeClr val="tx1"/>
+                </a:solidFill>
+                <a:effectLst/>
+                <a:latin typeface="Arial Unicode MS" charset="0"/>
+                <a:ea typeface="inherit" charset="0"/>
+              </a:rPr>
+              <a:t/>
+            </a:r>
+            <a:br>
+              <a:rPr kumimoji="0" lang="zh-CN" altLang="zh-CN" b="0" i="0" u="none" strike="noStrike" cap="none" normalizeH="0" baseline="0" dirty="0">
+                <a:ln>
+                  <a:noFill/>
+                </a:ln>
+                <a:solidFill>
+                  <a:schemeClr val="tx1"/>
+                </a:solidFill>
+                <a:effectLst/>
+                <a:latin typeface="Arial Unicode MS" charset="0"/>
+                <a:ea typeface="inherit" charset="0"/>
+              </a:rPr>
+            </a:br>
+            <a:r>
+              <a:rPr kumimoji="0" lang="zh-CN" altLang="zh-CN" b="0" i="0" u="none" strike="noStrike" cap="none" normalizeH="0" baseline="0" dirty="0">
+                <a:ln>
+                  <a:noFill/>
+                </a:ln>
+                <a:solidFill>
+                  <a:schemeClr val="tx1"/>
+                </a:solidFill>
+                <a:effectLst/>
+                <a:latin typeface="Arial Unicode MS" charset="0"/>
+                <a:ea typeface="inherit" charset="0"/>
+              </a:rPr>
+              <a:t>这样一种收费系统，你猜美国人能接受吗？一样不容易接受，所以他们在网站上做了一些广告，加了一些宣传语，让大家能够接受这种新生事物。</a:t>
+            </a:r>
+            <a:br>
+              <a:rPr kumimoji="0" lang="zh-CN" altLang="zh-CN" b="0" i="0" u="none" strike="noStrike" cap="none" normalizeH="0" baseline="0" dirty="0">
+                <a:ln>
+                  <a:noFill/>
+                </a:ln>
+                <a:solidFill>
+                  <a:schemeClr val="tx1"/>
+                </a:solidFill>
+                <a:effectLst/>
+                <a:latin typeface="Arial Unicode MS" charset="0"/>
+                <a:ea typeface="inherit" charset="0"/>
+              </a:rPr>
+            </a:br>
+            <a:r>
+              <a:rPr kumimoji="0" lang="zh-CN" altLang="zh-CN" b="0" i="0" u="none" strike="noStrike" cap="none" normalizeH="0" baseline="0" dirty="0">
+                <a:ln>
+                  <a:noFill/>
+                </a:ln>
+                <a:solidFill>
+                  <a:schemeClr val="tx1"/>
+                </a:solidFill>
+                <a:effectLst/>
+                <a:latin typeface="Arial Unicode MS" charset="0"/>
+                <a:ea typeface="inherit" charset="0"/>
+              </a:rPr>
+              <a:t>他们的网页上面就写着：Designed to Provide a Predictable Trip. “我们的目的是为了让出行更有计划，把你的时间省下来留给你和家人相处，留给你工作和学习。让出行更有计划。”</a:t>
+            </a:r>
+            <a:endParaRPr kumimoji="0" lang="zh-CN" altLang="zh-CN" sz="4000" b="0" i="0" u="none" strike="noStrike" cap="none" normalizeH="0" baseline="0" dirty="0">
+              <a:ln>
+                <a:noFill/>
+              </a:ln>
+              <a:solidFill>
+                <a:schemeClr val="tx1"/>
+              </a:solidFill>
+              <a:effectLst/>
+              <a:latin typeface="Arial" charset="0"/>
+            </a:endParaRPr>
+          </a:p>
+        </p:txBody>
+      </p:sp>
+      <p:sp>
+        <p:nvSpPr>
+          <p:cNvPr id="7" name="AutoShape 4" descr="https://wx2.qq.com/cgi-bin/mmwebwx-bin/webwxgeticon?seq=1904718054&amp;username=@551ae87aa82b3afc8bb470784657bd546e4c276413aefee5c61fb1c7e643ab11&amp;skey=@crypt_37a45a30_b6c2817f85c988af96a6c6778b8e3d60"/>
+          <p:cNvSpPr>
+            <a:spLocks noChangeAspect="1" noChangeArrowheads="1"/>
+          </p:cNvSpPr>
+          <p:nvPr/>
+        </p:nvSpPr>
+        <p:spPr bwMode="auto">
+          <a:xfrm>
+            <a:off x="0" y="0"/>
+            <a:ext cx="304800" cy="304800"/>
+          </a:xfrm>
+          <a:prstGeom prst="rect">
+            <a:avLst/>
+          </a:prstGeom>
+          <a:noFill/>
+          <a:extLst>
+            <a:ext uri="{909E8E84-426E-40DD-AFC4-6F175D3DCCD1}">
+              <a14:hiddenFill xmlns:a14="http://schemas.microsoft.com/office/drawing/2010/main">
+                <a:solidFill>
+                  <a:srgbClr val="FFFFFF"/>
+                </a:solidFill>
+              </a14:hiddenFill>
+            </a:ext>
+          </a:extLst>
+        </p:spPr>
+        <p:txBody>
+          <a:bodyPr vert="horz" wrap="square" lIns="91440" tIns="45720" rIns="91440" bIns="45720" numCol="1" anchor="t" anchorCtr="0" compatLnSpc="1">
+            <a:prstTxWarp prst="textNoShape">
+              <a:avLst/>
+            </a:prstTxWarp>
+          </a:bodyPr>
+          <a:lstStyle/>
+          <a:p>
+            <a:endParaRPr lang="zh-CN" altLang="en-US"/>
+          </a:p>
+        </p:txBody>
+      </p:sp>
+    </p:spTree>
+    <p:extLst>
+      <p:ext uri="{BB962C8B-B14F-4D97-AF65-F5344CB8AC3E}">
+        <p14:creationId xmlns:p14="http://schemas.microsoft.com/office/powerpoint/2010/main" val="810830724"/>
+      </p:ext>
+    </p:extLst>
+  </p:cSld>
+  <p:clrMapOvr>
+    <a:masterClrMapping/>
+  </p:clrMapOvr>
+</p:sld>
+</file>
+
+<file path=ppt/slides/slide5.xml><?xml version="1.0" encoding="utf-8"?>
+<p:sld xmlns:a="http://schemas.openxmlformats.org/drawingml/2006/main" xmlns:r="http://schemas.openxmlformats.org/officeDocument/2006/relationships" xmlns:p="http://schemas.openxmlformats.org/presentationml/2006/main">
+  <p:cSld>
+    <p:spTree>
+      <p:nvGrpSpPr>
+        <p:cNvPr id="1" name=""/>
+        <p:cNvGrpSpPr/>
+        <p:nvPr/>
+      </p:nvGrpSpPr>
+      <p:grpSpPr>
+        <a:xfrm>
+          <a:off x="0" y="0"/>
+          <a:ext cx="0" cy="0"/>
+          <a:chOff x="0" y="0"/>
+          <a:chExt cx="0" cy="0"/>
+        </a:xfrm>
+      </p:grpSpPr>
+      <p:sp>
+        <p:nvSpPr>
+          <p:cNvPr id="2" name="标题 1"/>
+          <p:cNvSpPr>
+            <a:spLocks noGrp="1"/>
+          </p:cNvSpPr>
+          <p:nvPr>
+            <p:ph type="ctrTitle"/>
+          </p:nvPr>
+        </p:nvSpPr>
+        <p:spPr>
+          <a:xfrm>
+            <a:off x="1425526" y="618977"/>
+            <a:ext cx="9144000" cy="682357"/>
+          </a:xfrm>
+        </p:spPr>
+        <p:txBody>
+          <a:bodyPr>
+            <a:noAutofit/>
+          </a:bodyPr>
+          <a:lstStyle/>
+          <a:p>
+            <a:r>
+              <a:rPr lang="zh-CN" altLang="en-US" sz="3600" dirty="0"/>
+              <a:t>无论拥堵费如何使用，征收拥堵费本身都有意义</a:t>
+            </a:r>
+            <a:endParaRPr lang="zh-CN" altLang="en-US" sz="3600" dirty="0"/>
+          </a:p>
+        </p:txBody>
+      </p:sp>
+      <p:sp>
+        <p:nvSpPr>
+          <p:cNvPr id="6" name="Rectangle 3"/>
+          <p:cNvSpPr>
+            <a:spLocks noChangeArrowheads="1"/>
+          </p:cNvSpPr>
+          <p:nvPr/>
+        </p:nvSpPr>
+        <p:spPr bwMode="auto">
+          <a:xfrm>
+            <a:off x="492369" y="1433278"/>
+            <a:ext cx="11380764" cy="4431983"/>
+          </a:xfrm>
+          <a:prstGeom prst="rect">
+            <a:avLst/>
+          </a:prstGeom>
+          <a:noFill/>
+          <a:ln>
+            <a:noFill/>
+          </a:ln>
+          <a:effectLst/>
+          <a:extLst>
+            <a:ext uri="{909E8E84-426E-40DD-AFC4-6F175D3DCCD1}">
+              <a14:hiddenFill xmlns:a14="http://schemas.microsoft.com/office/drawing/2010/main">
+                <a:solidFill>
+                  <a:schemeClr val="accent1"/>
+                </a:solidFill>
+              </a14:hiddenFill>
+            </a:ext>
+            <a:ext uri="{91240B29-F687-4F45-9708-019B960494DF}">
+              <a14:hiddenLine xmlns:a14="http://schemas.microsoft.com/office/drawing/2010/main" w="9525">
+                <a:solidFill>
+                  <a:schemeClr val="tx1"/>
+                </a:solidFill>
+                <a:miter lim="800000"/>
+                <a:headEnd/>
+                <a:tailEnd/>
+              </a14:hiddenLine>
+            </a:ext>
+            <a:ext uri="{AF507438-7753-43E0-B8FC-AC1667EBCBE1}">
+              <a14:hiddenEffects xmlns:a14="http://schemas.microsoft.com/office/drawing/2010/main">
+                <a:effectLst>
+                  <a:outerShdw blurRad="63500" dist="38099" dir="2700000" algn="ctr" rotWithShape="0">
+                    <a:schemeClr val="bg2">
+                      <a:alpha val="74998"/>
+                    </a:schemeClr>
+                  </a:outerShdw>
+                </a:effectLst>
+              </a14:hiddenEffects>
+            </a:ext>
+          </a:extLst>
+        </p:spPr>
+        <p:txBody>
+          <a:bodyPr vert="horz" wrap="square" lIns="0" tIns="0" rIns="0" bIns="0" numCol="1" anchor="ctr" anchorCtr="0" compatLnSpc="1">
+            <a:prstTxWarp prst="textNoShape">
+              <a:avLst/>
+            </a:prstTxWarp>
+            <a:spAutoFit/>
+          </a:bodyPr>
+          <a:lstStyle/>
+          <a:p>
+            <a:pPr lvl="0" eaLnBrk="0" fontAlgn="base" hangingPunct="0">
+              <a:spcBef>
+                <a:spcPct val="0"/>
+              </a:spcBef>
+              <a:spcAft>
+                <a:spcPct val="0"/>
+              </a:spcAft>
+            </a:pPr>
+            <a:r>
+              <a:rPr lang="zh-CN" altLang="en-US" sz="2400" dirty="0"/>
+              <a:t>道路收拥堵费的想法，很多朋友都不接受，他们提出各种各样的质疑。最常见的一点，就是昨天我留的那个思考题：“ 拥堵费我也不反对收，关键是钱用在哪去了。 ”</a:t>
+            </a:r>
+            <a:br>
+              <a:rPr lang="zh-CN" altLang="en-US" sz="2400" dirty="0"/>
+            </a:br>
+            <a:r>
+              <a:rPr lang="zh-CN" altLang="en-US" sz="2400" dirty="0"/>
+              <a:t>持有这种观点的人，其实还没有完全理解收拥堵费的意义。收拥堵费是为了让道路产生排他性的使用权，让这条道路不至沦为公地的悲剧，要让这条道路仍然是路，而不是停车场。</a:t>
+            </a:r>
+            <a:br>
+              <a:rPr lang="zh-CN" altLang="en-US" sz="2400" dirty="0"/>
+            </a:br>
+            <a:r>
+              <a:rPr lang="zh-CN" altLang="en-US" sz="2400" dirty="0"/>
+              <a:t>所以不管收到的拥堵费用在什么地方，收拥堵费本身是有意义的。我们说收到的拥堵费如果把它扔到海里面去，还收不收拥堵费？还收。把钱扔到海里面去当然不对，但是，我们不能够因为把钱扔到海里面去不对，就不收拥堵费。因为收了拥堵费至少让路仍然是路。</a:t>
+            </a:r>
+            <a:br>
+              <a:rPr lang="zh-CN" altLang="en-US" sz="2400" dirty="0"/>
+            </a:br>
+            <a:r>
+              <a:rPr lang="zh-CN" altLang="en-US" sz="2400" dirty="0"/>
+              <a:t>所以拥堵费收了以后，政府能不能够善用拥堵费，这是一回事。我们当然希望这个钱能够得到善用。但是，这个钱能不能够得到善用，跟该不该收拥堵费，是两个不相关的问题。</a:t>
+            </a:r>
+            <a:endParaRPr kumimoji="0" lang="zh-CN" altLang="zh-CN" sz="2400" b="0" i="0" u="none" strike="noStrike" cap="none" normalizeH="0" baseline="0" dirty="0">
+              <a:ln>
+                <a:noFill/>
+              </a:ln>
+              <a:solidFill>
+                <a:schemeClr val="tx1"/>
+              </a:solidFill>
+              <a:effectLst/>
+              <a:latin typeface="Arial" charset="0"/>
+            </a:endParaRPr>
+          </a:p>
+        </p:txBody>
+      </p:sp>
+      <p:sp>
+        <p:nvSpPr>
+          <p:cNvPr id="7" name="AutoShape 4" descr="https://wx2.qq.com/cgi-bin/mmwebwx-bin/webwxgeticon?seq=1904718054&amp;username=@551ae87aa82b3afc8bb470784657bd546e4c276413aefee5c61fb1c7e643ab11&amp;skey=@crypt_37a45a30_b6c2817f85c988af96a6c6778b8e3d60"/>
+          <p:cNvSpPr>
+            <a:spLocks noChangeAspect="1" noChangeArrowheads="1"/>
+          </p:cNvSpPr>
+          <p:nvPr/>
+        </p:nvSpPr>
+        <p:spPr bwMode="auto">
+          <a:xfrm>
+            <a:off x="0" y="0"/>
+            <a:ext cx="304800" cy="304800"/>
+          </a:xfrm>
+          <a:prstGeom prst="rect">
+            <a:avLst/>
+          </a:prstGeom>
+          <a:noFill/>
+          <a:extLst>
+            <a:ext uri="{909E8E84-426E-40DD-AFC4-6F175D3DCCD1}">
+              <a14:hiddenFill xmlns:a14="http://schemas.microsoft.com/office/drawing/2010/main">
+                <a:solidFill>
+                  <a:srgbClr val="FFFFFF"/>
+                </a:solidFill>
+              </a14:hiddenFill>
+            </a:ext>
+          </a:extLst>
+        </p:spPr>
+        <p:txBody>
+          <a:bodyPr vert="horz" wrap="square" lIns="91440" tIns="45720" rIns="91440" bIns="45720" numCol="1" anchor="t" anchorCtr="0" compatLnSpc="1">
+            <a:prstTxWarp prst="textNoShape">
+              <a:avLst/>
+            </a:prstTxWarp>
+          </a:bodyPr>
+          <a:lstStyle/>
+          <a:p>
+            <a:endParaRPr lang="zh-CN" altLang="en-US"/>
+          </a:p>
+        </p:txBody>
+      </p:sp>
+    </p:spTree>
+    <p:extLst>
+      <p:ext uri="{BB962C8B-B14F-4D97-AF65-F5344CB8AC3E}">
+        <p14:creationId xmlns:p14="http://schemas.microsoft.com/office/powerpoint/2010/main" val="484244516"/>
+      </p:ext>
+    </p:extLst>
+  </p:cSld>
+  <p:clrMapOvr>
+    <a:masterClrMapping/>
+  </p:clrMapOvr>
+</p:sld>
+</file>
+
+<file path=ppt/slides/slide6.xml><?xml version="1.0" encoding="utf-8"?>
+<p:sld xmlns:a="http://schemas.openxmlformats.org/drawingml/2006/main" xmlns:r="http://schemas.openxmlformats.org/officeDocument/2006/relationships" xmlns:p="http://schemas.openxmlformats.org/presentationml/2006/main">
+  <p:cSld>
+    <p:spTree>
+      <p:nvGrpSpPr>
+        <p:cNvPr id="1" name=""/>
+        <p:cNvGrpSpPr/>
+        <p:nvPr/>
+      </p:nvGrpSpPr>
+      <p:grpSpPr>
+        <a:xfrm>
+          <a:off x="0" y="0"/>
+          <a:ext cx="0" cy="0"/>
+          <a:chOff x="0" y="0"/>
+          <a:chExt cx="0" cy="0"/>
+        </a:xfrm>
+      </p:grpSpPr>
+      <p:sp>
+        <p:nvSpPr>
+          <p:cNvPr id="2" name="标题 1"/>
+          <p:cNvSpPr>
+            <a:spLocks noGrp="1"/>
+          </p:cNvSpPr>
+          <p:nvPr>
+            <p:ph type="ctrTitle"/>
+          </p:nvPr>
+        </p:nvSpPr>
+        <p:spPr>
+          <a:xfrm>
+            <a:off x="1425526" y="618977"/>
+            <a:ext cx="9144000" cy="682357"/>
+          </a:xfrm>
+        </p:spPr>
+        <p:txBody>
+          <a:bodyPr>
+            <a:noAutofit/>
+          </a:bodyPr>
+          <a:lstStyle/>
+          <a:p>
+            <a:r>
+              <a:rPr lang="zh-CN" altLang="en-US" sz="3600" dirty="0"/>
+              <a:t>征收拥堵费与公车改革无关</a:t>
+            </a:r>
+            <a:endParaRPr lang="zh-CN" altLang="en-US" sz="3600" dirty="0"/>
+          </a:p>
+        </p:txBody>
+      </p:sp>
+      <p:sp>
+        <p:nvSpPr>
+          <p:cNvPr id="6" name="Rectangle 3"/>
+          <p:cNvSpPr>
+            <a:spLocks noChangeArrowheads="1"/>
+          </p:cNvSpPr>
+          <p:nvPr/>
+        </p:nvSpPr>
+        <p:spPr bwMode="auto">
+          <a:xfrm>
+            <a:off x="492369" y="1987276"/>
+            <a:ext cx="11380764" cy="3323987"/>
+          </a:xfrm>
+          <a:prstGeom prst="rect">
+            <a:avLst/>
+          </a:prstGeom>
+          <a:noFill/>
+          <a:ln>
+            <a:noFill/>
+          </a:ln>
+          <a:effectLst/>
+          <a:extLst>
+            <a:ext uri="{909E8E84-426E-40DD-AFC4-6F175D3DCCD1}">
+              <a14:hiddenFill xmlns:a14="http://schemas.microsoft.com/office/drawing/2010/main">
+                <a:solidFill>
+                  <a:schemeClr val="accent1"/>
+                </a:solidFill>
+              </a14:hiddenFill>
+            </a:ext>
+            <a:ext uri="{91240B29-F687-4F45-9708-019B960494DF}">
+              <a14:hiddenLine xmlns:a14="http://schemas.microsoft.com/office/drawing/2010/main" w="9525">
+                <a:solidFill>
+                  <a:schemeClr val="tx1"/>
+                </a:solidFill>
+                <a:miter lim="800000"/>
+                <a:headEnd/>
+                <a:tailEnd/>
+              </a14:hiddenLine>
+            </a:ext>
+            <a:ext uri="{AF507438-7753-43E0-B8FC-AC1667EBCBE1}">
+              <a14:hiddenEffects xmlns:a14="http://schemas.microsoft.com/office/drawing/2010/main">
+                <a:effectLst>
+                  <a:outerShdw blurRad="63500" dist="38099" dir="2700000" algn="ctr" rotWithShape="0">
+                    <a:schemeClr val="bg2">
+                      <a:alpha val="74998"/>
+                    </a:schemeClr>
+                  </a:outerShdw>
+                </a:effectLst>
+              </a14:hiddenEffects>
+            </a:ext>
+          </a:extLst>
+        </p:spPr>
+        <p:txBody>
+          <a:bodyPr vert="horz" wrap="square" lIns="0" tIns="0" rIns="0" bIns="0" numCol="1" anchor="ctr" anchorCtr="0" compatLnSpc="1">
+            <a:prstTxWarp prst="textNoShape">
+              <a:avLst/>
+            </a:prstTxWarp>
+            <a:spAutoFit/>
+          </a:bodyPr>
+          <a:lstStyle/>
+          <a:p>
+            <a:pPr lvl="0" eaLnBrk="0" fontAlgn="base" hangingPunct="0">
+              <a:spcBef>
+                <a:spcPct val="0"/>
+              </a:spcBef>
+              <a:spcAft>
+                <a:spcPct val="0"/>
+              </a:spcAft>
+            </a:pPr>
+            <a:r>
+              <a:rPr lang="zh-CN" altLang="en-US" sz="2400" dirty="0"/>
+              <a:t>也有人说，收拥堵费最大的问题是官车太多了，持这种观点的人也是忘掉了收拥堵费的意义。收拥堵费的意义，是让道路发挥它本来应有的经济价值，而不是进行政府机构的改革。</a:t>
+            </a:r>
+            <a:br>
+              <a:rPr lang="zh-CN" altLang="en-US" sz="2400" dirty="0"/>
+            </a:br>
+            <a:r>
+              <a:rPr lang="zh-CN" altLang="en-US" sz="2400" dirty="0"/>
+              <a:t>官车多和少，这是政府内部进行改革的事情，我们不能指望通过收拥堵费或不收拥堵费，对政府内部的结构、车辆的多少进行改革，我们关注的要点只有一个：就是让路发挥它的价值，让路仍然是路。</a:t>
+            </a:r>
+            <a:br>
+              <a:rPr lang="zh-CN" altLang="en-US" sz="2400" dirty="0"/>
+            </a:br>
+            <a:r>
+              <a:rPr lang="zh-CN" altLang="en-US" sz="2400" dirty="0"/>
+              <a:t>也有人说收拥堵费以后，官员可以不计成本地上路，这种说法当然也是不对的。官员做事怎么可能不计成本，官员办公买一支笔、买一张纸都要计算成本，用的汽油要计算成本。如果上路也要交拥堵费，那么他们当然也会在意成本。</a:t>
+            </a:r>
+            <a:endParaRPr kumimoji="0" lang="zh-CN" altLang="zh-CN" sz="2400" b="0" i="0" u="none" strike="noStrike" cap="none" normalizeH="0" baseline="0" dirty="0">
+              <a:ln>
+                <a:noFill/>
+              </a:ln>
+              <a:solidFill>
+                <a:schemeClr val="tx1"/>
+              </a:solidFill>
+              <a:effectLst/>
+              <a:latin typeface="Arial" charset="0"/>
+            </a:endParaRPr>
+          </a:p>
+        </p:txBody>
+      </p:sp>
+      <p:sp>
+        <p:nvSpPr>
+          <p:cNvPr id="7" name="AutoShape 4" descr="https://wx2.qq.com/cgi-bin/mmwebwx-bin/webwxgeticon?seq=1904718054&amp;username=@551ae87aa82b3afc8bb470784657bd546e4c276413aefee5c61fb1c7e643ab11&amp;skey=@crypt_37a45a30_b6c2817f85c988af96a6c6778b8e3d60"/>
+          <p:cNvSpPr>
+            <a:spLocks noChangeAspect="1" noChangeArrowheads="1"/>
+          </p:cNvSpPr>
+          <p:nvPr/>
+        </p:nvSpPr>
+        <p:spPr bwMode="auto">
+          <a:xfrm>
+            <a:off x="0" y="0"/>
+            <a:ext cx="304800" cy="304800"/>
+          </a:xfrm>
+          <a:prstGeom prst="rect">
+            <a:avLst/>
+          </a:prstGeom>
+          <a:noFill/>
+          <a:extLst>
+            <a:ext uri="{909E8E84-426E-40DD-AFC4-6F175D3DCCD1}">
+              <a14:hiddenFill xmlns:a14="http://schemas.microsoft.com/office/drawing/2010/main">
+                <a:solidFill>
+                  <a:srgbClr val="FFFFFF"/>
+                </a:solidFill>
+              </a14:hiddenFill>
+            </a:ext>
+          </a:extLst>
+        </p:spPr>
+        <p:txBody>
+          <a:bodyPr vert="horz" wrap="square" lIns="91440" tIns="45720" rIns="91440" bIns="45720" numCol="1" anchor="t" anchorCtr="0" compatLnSpc="1">
+            <a:prstTxWarp prst="textNoShape">
+              <a:avLst/>
+            </a:prstTxWarp>
+          </a:bodyPr>
+          <a:lstStyle/>
+          <a:p>
+            <a:endParaRPr lang="zh-CN" altLang="en-US"/>
+          </a:p>
+        </p:txBody>
+      </p:sp>
+    </p:spTree>
+    <p:extLst>
+      <p:ext uri="{BB962C8B-B14F-4D97-AF65-F5344CB8AC3E}">
+        <p14:creationId xmlns:p14="http://schemas.microsoft.com/office/powerpoint/2010/main" val="1145377417"/>
+      </p:ext>
+    </p:extLst>
+  </p:cSld>
+  <p:clrMapOvr>
+    <a:masterClrMapping/>
+  </p:clrMapOvr>
+</p:sld>
+</file>
+
+<file path=ppt/slides/slide7.xml><?xml version="1.0" encoding="utf-8"?>
+<p:sld xmlns:a="http://schemas.openxmlformats.org/drawingml/2006/main" xmlns:r="http://schemas.openxmlformats.org/officeDocument/2006/relationships" xmlns:p="http://schemas.openxmlformats.org/presentationml/2006/main">
+  <p:cSld>
+    <p:spTree>
+      <p:nvGrpSpPr>
+        <p:cNvPr id="1" name=""/>
+        <p:cNvGrpSpPr/>
+        <p:nvPr/>
+      </p:nvGrpSpPr>
+      <p:grpSpPr>
+        <a:xfrm>
+          <a:off x="0" y="0"/>
+          <a:ext cx="0" cy="0"/>
+          <a:chOff x="0" y="0"/>
+          <a:chExt cx="0" cy="0"/>
+        </a:xfrm>
+      </p:grpSpPr>
+      <p:sp>
+        <p:nvSpPr>
+          <p:cNvPr id="2" name="标题 1"/>
+          <p:cNvSpPr>
+            <a:spLocks noGrp="1"/>
+          </p:cNvSpPr>
+          <p:nvPr>
+            <p:ph type="ctrTitle"/>
+          </p:nvPr>
+        </p:nvSpPr>
+        <p:spPr>
+          <a:xfrm>
+            <a:off x="1425526" y="618977"/>
+            <a:ext cx="9144000" cy="682357"/>
+          </a:xfrm>
+        </p:spPr>
+        <p:txBody>
+          <a:bodyPr>
+            <a:noAutofit/>
+          </a:bodyPr>
+          <a:lstStyle/>
+          <a:p>
+            <a:r>
+              <a:rPr lang="zh-CN" altLang="en-US" sz="3600" dirty="0"/>
+              <a:t>征收拥堵费与优化城市道路可双管齐下</a:t>
+            </a:r>
+            <a:endParaRPr lang="zh-CN" altLang="en-US" sz="3600" dirty="0"/>
+          </a:p>
+        </p:txBody>
+      </p:sp>
+      <p:sp>
+        <p:nvSpPr>
+          <p:cNvPr id="6" name="Rectangle 3"/>
+          <p:cNvSpPr>
+            <a:spLocks noChangeArrowheads="1"/>
+          </p:cNvSpPr>
+          <p:nvPr/>
+        </p:nvSpPr>
+        <p:spPr bwMode="auto">
+          <a:xfrm>
+            <a:off x="548639" y="1707708"/>
+            <a:ext cx="11380764" cy="2954655"/>
+          </a:xfrm>
+          <a:prstGeom prst="rect">
+            <a:avLst/>
+          </a:prstGeom>
+          <a:noFill/>
+          <a:ln>
+            <a:noFill/>
+          </a:ln>
+          <a:effectLst/>
+          <a:extLst>
+            <a:ext uri="{909E8E84-426E-40DD-AFC4-6F175D3DCCD1}">
+              <a14:hiddenFill xmlns:a14="http://schemas.microsoft.com/office/drawing/2010/main">
+                <a:solidFill>
+                  <a:schemeClr val="accent1"/>
+                </a:solidFill>
+              </a14:hiddenFill>
+            </a:ext>
+            <a:ext uri="{91240B29-F687-4F45-9708-019B960494DF}">
+              <a14:hiddenLine xmlns:a14="http://schemas.microsoft.com/office/drawing/2010/main" w="9525">
+                <a:solidFill>
+                  <a:schemeClr val="tx1"/>
+                </a:solidFill>
+                <a:miter lim="800000"/>
+                <a:headEnd/>
+                <a:tailEnd/>
+              </a14:hiddenLine>
+            </a:ext>
+            <a:ext uri="{AF507438-7753-43E0-B8FC-AC1667EBCBE1}">
+              <a14:hiddenEffects xmlns:a14="http://schemas.microsoft.com/office/drawing/2010/main">
+                <a:effectLst>
+                  <a:outerShdw blurRad="63500" dist="38099" dir="2700000" algn="ctr" rotWithShape="0">
+                    <a:schemeClr val="bg2">
+                      <a:alpha val="74998"/>
+                    </a:schemeClr>
+                  </a:outerShdw>
+                </a:effectLst>
+              </a14:hiddenEffects>
+            </a:ext>
+          </a:extLst>
+        </p:spPr>
+        <p:txBody>
+          <a:bodyPr vert="horz" wrap="square" lIns="0" tIns="0" rIns="0" bIns="0" numCol="1" anchor="ctr" anchorCtr="0" compatLnSpc="1">
+            <a:prstTxWarp prst="textNoShape">
+              <a:avLst/>
+            </a:prstTxWarp>
+            <a:spAutoFit/>
+          </a:bodyPr>
+          <a:lstStyle/>
+          <a:p>
+            <a:pPr lvl="0" eaLnBrk="0" fontAlgn="base" hangingPunct="0">
+              <a:spcBef>
+                <a:spcPct val="0"/>
+              </a:spcBef>
+              <a:spcAft>
+                <a:spcPct val="0"/>
+              </a:spcAft>
+            </a:pPr>
+            <a:r>
+              <a:rPr lang="zh-CN" altLang="en-US" sz="2400" dirty="0"/>
+              <a:t>还有人说，别老是想着收拥堵费，关键是我们的城市规划道路设计不合理，先把这个不合理的解决了再收费。</a:t>
+            </a:r>
+            <a:br>
+              <a:rPr lang="zh-CN" altLang="en-US" sz="2400" dirty="0"/>
+            </a:br>
+            <a:r>
+              <a:rPr lang="zh-CN" altLang="en-US" sz="2400" dirty="0"/>
+              <a:t>这种说法也没有理解收取拥堵费，跟优化城市道路设计之间的关系。其实这两个做法并不矛盾，可以双管齐下。但是，你要知道，一个城市的道路设计无论多么完善，到一定程度它总还是会发生拥堵的。</a:t>
+            </a:r>
+            <a:br>
+              <a:rPr lang="zh-CN" altLang="en-US" sz="2400" dirty="0"/>
+            </a:br>
+            <a:r>
+              <a:rPr lang="zh-CN" altLang="en-US" sz="2400" dirty="0"/>
+              <a:t>而且有趣的是，一个城市如果设计得越得当，一个城市提供的服务越周到，来这个城市生活的人就会越多，拥堵迟早会发生。相反，有些城市规划得不好、发展得不好，人越来越少，你想它产生拥堵都难。</a:t>
+            </a:r>
+            <a:endParaRPr kumimoji="0" lang="zh-CN" altLang="zh-CN" sz="2400" b="0" i="0" u="none" strike="noStrike" cap="none" normalizeH="0" baseline="0" dirty="0">
+              <a:ln>
+                <a:noFill/>
+              </a:ln>
+              <a:solidFill>
+                <a:schemeClr val="tx1"/>
+              </a:solidFill>
+              <a:effectLst/>
+              <a:latin typeface="Arial" charset="0"/>
+            </a:endParaRPr>
+          </a:p>
+        </p:txBody>
+      </p:sp>
+      <p:sp>
+        <p:nvSpPr>
+          <p:cNvPr id="7" name="AutoShape 4" descr="https://wx2.qq.com/cgi-bin/mmwebwx-bin/webwxgeticon?seq=1904718054&amp;username=@551ae87aa82b3afc8bb470784657bd546e4c276413aefee5c61fb1c7e643ab11&amp;skey=@crypt_37a45a30_b6c2817f85c988af96a6c6778b8e3d60"/>
+          <p:cNvSpPr>
+            <a:spLocks noChangeAspect="1" noChangeArrowheads="1"/>
+          </p:cNvSpPr>
+          <p:nvPr/>
+        </p:nvSpPr>
+        <p:spPr bwMode="auto">
+          <a:xfrm>
+            <a:off x="0" y="0"/>
+            <a:ext cx="304800" cy="304800"/>
+          </a:xfrm>
+          <a:prstGeom prst="rect">
+            <a:avLst/>
+          </a:prstGeom>
+          <a:noFill/>
+          <a:extLst>
+            <a:ext uri="{909E8E84-426E-40DD-AFC4-6F175D3DCCD1}">
+              <a14:hiddenFill xmlns:a14="http://schemas.microsoft.com/office/drawing/2010/main">
+                <a:solidFill>
+                  <a:srgbClr val="FFFFFF"/>
+                </a:solidFill>
+              </a14:hiddenFill>
+            </a:ext>
+          </a:extLst>
+        </p:spPr>
+        <p:txBody>
+          <a:bodyPr vert="horz" wrap="square" lIns="91440" tIns="45720" rIns="91440" bIns="45720" numCol="1" anchor="t" anchorCtr="0" compatLnSpc="1">
+            <a:prstTxWarp prst="textNoShape">
+              <a:avLst/>
+            </a:prstTxWarp>
+          </a:bodyPr>
+          <a:lstStyle/>
+          <a:p>
+            <a:endParaRPr lang="zh-CN" altLang="en-US"/>
+          </a:p>
+        </p:txBody>
+      </p:sp>
+    </p:spTree>
+    <p:extLst>
+      <p:ext uri="{BB962C8B-B14F-4D97-AF65-F5344CB8AC3E}">
+        <p14:creationId xmlns:p14="http://schemas.microsoft.com/office/powerpoint/2010/main" val="314835811"/>
+      </p:ext>
+    </p:extLst>
+  </p:cSld>
+  <p:clrMapOvr>
+    <a:masterClrMapping/>
+  </p:clrMapOvr>
+</p:sld>
+</file>
+
+<file path=ppt/slides/slide8.xml><?xml version="1.0" encoding="utf-8"?>
+<p:sld xmlns:a="http://schemas.openxmlformats.org/drawingml/2006/main" xmlns:r="http://schemas.openxmlformats.org/officeDocument/2006/relationships" xmlns:p="http://schemas.openxmlformats.org/presentationml/2006/main">
+  <p:cSld>
+    <p:spTree>
+      <p:nvGrpSpPr>
+        <p:cNvPr id="1" name=""/>
+        <p:cNvGrpSpPr/>
+        <p:nvPr/>
+      </p:nvGrpSpPr>
+      <p:grpSpPr>
+        <a:xfrm>
+          <a:off x="0" y="0"/>
+          <a:ext cx="0" cy="0"/>
+          <a:chOff x="0" y="0"/>
+          <a:chExt cx="0" cy="0"/>
+        </a:xfrm>
+      </p:grpSpPr>
+      <p:sp>
+        <p:nvSpPr>
+          <p:cNvPr id="2" name="标题 1"/>
+          <p:cNvSpPr>
+            <a:spLocks noGrp="1"/>
+          </p:cNvSpPr>
+          <p:nvPr>
+            <p:ph type="ctrTitle"/>
+          </p:nvPr>
+        </p:nvSpPr>
+        <p:spPr>
+          <a:xfrm>
+            <a:off x="1425526" y="618977"/>
+            <a:ext cx="9144000" cy="682357"/>
+          </a:xfrm>
+        </p:spPr>
+        <p:txBody>
+          <a:bodyPr>
+            <a:noAutofit/>
+          </a:bodyPr>
+          <a:lstStyle/>
+          <a:p>
+            <a:r>
+              <a:rPr lang="zh-CN" altLang="en-US" sz="3600" dirty="0"/>
+              <a:t>征收拥堵费可以刺激道路供给</a:t>
+            </a:r>
+            <a:endParaRPr lang="zh-CN" altLang="en-US" sz="3600" dirty="0"/>
+          </a:p>
+        </p:txBody>
+      </p:sp>
+      <p:sp>
+        <p:nvSpPr>
+          <p:cNvPr id="6" name="Rectangle 3"/>
+          <p:cNvSpPr>
+            <a:spLocks noChangeArrowheads="1"/>
+          </p:cNvSpPr>
+          <p:nvPr/>
+        </p:nvSpPr>
+        <p:spPr bwMode="auto">
+          <a:xfrm>
+            <a:off x="520504" y="1431493"/>
+            <a:ext cx="11380764" cy="4801314"/>
+          </a:xfrm>
+          <a:prstGeom prst="rect">
+            <a:avLst/>
+          </a:prstGeom>
+          <a:noFill/>
+          <a:ln>
+            <a:noFill/>
+          </a:ln>
+          <a:effectLst/>
+          <a:extLst>
+            <a:ext uri="{909E8E84-426E-40DD-AFC4-6F175D3DCCD1}">
+              <a14:hiddenFill xmlns:a14="http://schemas.microsoft.com/office/drawing/2010/main">
+                <a:solidFill>
+                  <a:schemeClr val="accent1"/>
+                </a:solidFill>
+              </a14:hiddenFill>
+            </a:ext>
+            <a:ext uri="{91240B29-F687-4F45-9708-019B960494DF}">
+              <a14:hiddenLine xmlns:a14="http://schemas.microsoft.com/office/drawing/2010/main" w="9525">
+                <a:solidFill>
+                  <a:schemeClr val="tx1"/>
+                </a:solidFill>
+                <a:miter lim="800000"/>
+                <a:headEnd/>
+                <a:tailEnd/>
+              </a14:hiddenLine>
+            </a:ext>
+            <a:ext uri="{AF507438-7753-43E0-B8FC-AC1667EBCBE1}">
+              <a14:hiddenEffects xmlns:a14="http://schemas.microsoft.com/office/drawing/2010/main">
+                <a:effectLst>
+                  <a:outerShdw blurRad="63500" dist="38099" dir="2700000" algn="ctr" rotWithShape="0">
+                    <a:schemeClr val="bg2">
+                      <a:alpha val="74998"/>
+                    </a:schemeClr>
+                  </a:outerShdw>
+                </a:effectLst>
+              </a14:hiddenEffects>
+            </a:ext>
+          </a:extLst>
+        </p:spPr>
+        <p:txBody>
+          <a:bodyPr vert="horz" wrap="square" lIns="0" tIns="0" rIns="0" bIns="0" numCol="1" anchor="ctr" anchorCtr="0" compatLnSpc="1">
+            <a:prstTxWarp prst="textNoShape">
+              <a:avLst/>
+            </a:prstTxWarp>
+            <a:spAutoFit/>
+          </a:bodyPr>
+          <a:lstStyle/>
+          <a:p>
+            <a:pPr lvl="0" eaLnBrk="0" fontAlgn="base" hangingPunct="0">
+              <a:spcBef>
+                <a:spcPct val="0"/>
+              </a:spcBef>
+              <a:spcAft>
+                <a:spcPct val="0"/>
+              </a:spcAft>
+            </a:pPr>
+            <a:r>
+              <a:rPr lang="zh-CN" altLang="en-US" sz="2400"/>
+              <a:t>还有一种想法认为收费不能够刺激供给。</a:t>
+            </a:r>
+            <a:br>
+              <a:rPr lang="zh-CN" altLang="en-US" sz="2400"/>
+            </a:br>
+            <a:r>
+              <a:rPr lang="zh-CN" altLang="en-US" sz="2400"/>
+              <a:t>我记得好多年前有一个晚上，一位经济学家朋友给我打电话，聊一个别的什么事情，他问我你在忙什么？我说我正在写文章，写一篇叫“论堵”的文章，我主张收拥堵费。</a:t>
+            </a:r>
+            <a:br>
+              <a:rPr lang="zh-CN" altLang="en-US" sz="2400"/>
+            </a:br>
+            <a:r>
+              <a:rPr lang="zh-CN" altLang="en-US" sz="2400"/>
+              <a:t>这位经济学家朋友很惊讶，他说：</a:t>
+            </a:r>
+            <a:br>
+              <a:rPr lang="zh-CN" altLang="en-US" sz="2400"/>
+            </a:br>
+            <a:r>
+              <a:rPr lang="zh-CN" altLang="en-US" sz="2400"/>
+              <a:t>真的？你不会真的这么想吧？我们经济学上说价格能够刺激供给，那是有一定条件的。比方说玉米的价格高了，种玉米的农民就多了，就会增加玉米的供给，这时候经济学原理是对的。但是对于道路，你要收了拥堵费，出行的成本增加了，但不会因为收了拥堵费，上班的路就多出两条车道来。提价不能够刺激供给，所以不能随便提价。</a:t>
+            </a:r>
+            <a:br>
+              <a:rPr lang="zh-CN" altLang="en-US" sz="2400"/>
+            </a:br>
+            <a:r>
+              <a:rPr lang="zh-CN" altLang="en-US" sz="2400"/>
+              <a:t>我回答说：收拥堵费当然不能够平添两条车道，但是收了拥堵费以后，那些需求比较弱的人他们就会被劝退，他们空出来的道路实际上就是增加了供给。</a:t>
+            </a:r>
+            <a:br>
+              <a:rPr lang="zh-CN" altLang="en-US" sz="2400"/>
+            </a:br>
+            <a:r>
+              <a:rPr lang="zh-CN" altLang="en-US" sz="2400"/>
+              <a:t>你还记得吗？我们在讲需求定律的时候说过，供给和需求并没有截然的区分，只要价格上升到一定程度，原来的需求者就会变成供给者。</a:t>
+            </a:r>
+            <a:endParaRPr kumimoji="0" lang="zh-CN" altLang="zh-CN" sz="2400" b="0" i="0" u="none" strike="noStrike" cap="none" normalizeH="0" baseline="0" dirty="0">
+              <a:ln>
+                <a:noFill/>
+              </a:ln>
+              <a:solidFill>
+                <a:schemeClr val="tx1"/>
+              </a:solidFill>
+              <a:effectLst/>
+              <a:latin typeface="Arial" charset="0"/>
+            </a:endParaRPr>
+          </a:p>
+        </p:txBody>
+      </p:sp>
+      <p:sp>
+        <p:nvSpPr>
+          <p:cNvPr id="7" name="AutoShape 4" descr="https://wx2.qq.com/cgi-bin/mmwebwx-bin/webwxgeticon?seq=1904718054&amp;username=@551ae87aa82b3afc8bb470784657bd546e4c276413aefee5c61fb1c7e643ab11&amp;skey=@crypt_37a45a30_b6c2817f85c988af96a6c6778b8e3d60"/>
+          <p:cNvSpPr>
+            <a:spLocks noChangeAspect="1" noChangeArrowheads="1"/>
+          </p:cNvSpPr>
+          <p:nvPr/>
+        </p:nvSpPr>
+        <p:spPr bwMode="auto">
+          <a:xfrm>
+            <a:off x="0" y="0"/>
+            <a:ext cx="304800" cy="304800"/>
+          </a:xfrm>
+          <a:prstGeom prst="rect">
+            <a:avLst/>
+          </a:prstGeom>
+          <a:noFill/>
+          <a:extLst>
+            <a:ext uri="{909E8E84-426E-40DD-AFC4-6F175D3DCCD1}">
+              <a14:hiddenFill xmlns:a14="http://schemas.microsoft.com/office/drawing/2010/main">
+                <a:solidFill>
+                  <a:srgbClr val="FFFFFF"/>
+                </a:solidFill>
+              </a14:hiddenFill>
+            </a:ext>
+          </a:extLst>
+        </p:spPr>
+        <p:txBody>
+          <a:bodyPr vert="horz" wrap="square" lIns="91440" tIns="45720" rIns="91440" bIns="45720" numCol="1" anchor="t" anchorCtr="0" compatLnSpc="1">
+            <a:prstTxWarp prst="textNoShape">
+              <a:avLst/>
+            </a:prstTxWarp>
+          </a:bodyPr>
+          <a:lstStyle/>
+          <a:p>
+            <a:endParaRPr lang="zh-CN" altLang="en-US"/>
+          </a:p>
+        </p:txBody>
+      </p:sp>
+    </p:spTree>
+    <p:extLst>
+      <p:ext uri="{BB962C8B-B14F-4D97-AF65-F5344CB8AC3E}">
+        <p14:creationId xmlns:p14="http://schemas.microsoft.com/office/powerpoint/2010/main" val="45769269"/>
+      </p:ext>
+    </p:extLst>
+  </p:cSld>
+  <p:clrMapOvr>
+    <a:masterClrMapping/>
+  </p:clrMapOvr>
+</p:sld>
+</file>
+
+<file path=ppt/slides/slide9.xml><?xml version="1.0" encoding="utf-8"?>
+<p:sld xmlns:a="http://schemas.openxmlformats.org/drawingml/2006/main" xmlns:r="http://schemas.openxmlformats.org/officeDocument/2006/relationships" xmlns:p="http://schemas.openxmlformats.org/presentationml/2006/main">
+  <p:cSld>
+    <p:spTree>
+      <p:nvGrpSpPr>
+        <p:cNvPr id="1" name=""/>
+        <p:cNvGrpSpPr/>
+        <p:nvPr/>
+      </p:nvGrpSpPr>
+      <p:grpSpPr>
+        <a:xfrm>
+          <a:off x="0" y="0"/>
+          <a:ext cx="0" cy="0"/>
+          <a:chOff x="0" y="0"/>
+          <a:chExt cx="0" cy="0"/>
+        </a:xfrm>
+      </p:grpSpPr>
+      <p:sp>
+        <p:nvSpPr>
+          <p:cNvPr id="2" name="标题 1"/>
+          <p:cNvSpPr>
+            <a:spLocks noGrp="1"/>
+          </p:cNvSpPr>
+          <p:nvPr>
+            <p:ph type="ctrTitle"/>
+          </p:nvPr>
+        </p:nvSpPr>
+        <p:spPr>
+          <a:xfrm>
+            <a:off x="1425526" y="618977"/>
+            <a:ext cx="9144000" cy="682357"/>
+          </a:xfrm>
+        </p:spPr>
+        <p:txBody>
+          <a:bodyPr>
+            <a:noAutofit/>
+          </a:bodyPr>
+          <a:lstStyle/>
+          <a:p>
+            <a:r>
+              <a:rPr lang="zh-CN" altLang="en-US" sz="3600" dirty="0"/>
+              <a:t>征收拥堵费的目的就是调节需求</a:t>
+            </a:r>
+            <a:endParaRPr lang="zh-CN" altLang="en-US" sz="3600" dirty="0"/>
+          </a:p>
+        </p:txBody>
+      </p:sp>
+      <p:sp>
+        <p:nvSpPr>
+          <p:cNvPr id="6" name="Rectangle 3"/>
+          <p:cNvSpPr>
+            <a:spLocks noChangeArrowheads="1"/>
+          </p:cNvSpPr>
+          <p:nvPr/>
+        </p:nvSpPr>
+        <p:spPr bwMode="auto">
+          <a:xfrm>
+            <a:off x="604910" y="1742987"/>
+            <a:ext cx="11380764" cy="1477328"/>
+          </a:xfrm>
+          <a:prstGeom prst="rect">
+            <a:avLst/>
+          </a:prstGeom>
+          <a:noFill/>
+          <a:ln>
+            <a:noFill/>
+          </a:ln>
+          <a:effectLst/>
+          <a:extLst>
+            <a:ext uri="{909E8E84-426E-40DD-AFC4-6F175D3DCCD1}">
+              <a14:hiddenFill xmlns:a14="http://schemas.microsoft.com/office/drawing/2010/main">
+                <a:solidFill>
+                  <a:schemeClr val="accent1"/>
+                </a:solidFill>
+              </a14:hiddenFill>
+            </a:ext>
+            <a:ext uri="{91240B29-F687-4F45-9708-019B960494DF}">
+              <a14:hiddenLine xmlns:a14="http://schemas.microsoft.com/office/drawing/2010/main" w="9525">
+                <a:solidFill>
+                  <a:schemeClr val="tx1"/>
+                </a:solidFill>
+                <a:miter lim="800000"/>
+                <a:headEnd/>
+                <a:tailEnd/>
+              </a14:hiddenLine>
+            </a:ext>
+            <a:ext uri="{AF507438-7753-43E0-B8FC-AC1667EBCBE1}">
+              <a14:hiddenEffects xmlns:a14="http://schemas.microsoft.com/office/drawing/2010/main">
+                <a:effectLst>
+                  <a:outerShdw blurRad="63500" dist="38099" dir="2700000" algn="ctr" rotWithShape="0">
+                    <a:schemeClr val="bg2">
+                      <a:alpha val="74998"/>
+                    </a:schemeClr>
+                  </a:outerShdw>
+                </a:effectLst>
+              </a14:hiddenEffects>
+            </a:ext>
+          </a:extLst>
+        </p:spPr>
+        <p:txBody>
+          <a:bodyPr vert="horz" wrap="square" lIns="0" tIns="0" rIns="0" bIns="0" numCol="1" anchor="ctr" anchorCtr="0" compatLnSpc="1">
+            <a:prstTxWarp prst="textNoShape">
+              <a:avLst/>
+            </a:prstTxWarp>
+            <a:spAutoFit/>
+          </a:bodyPr>
+          <a:lstStyle/>
+          <a:p>
+            <a:pPr lvl="0" eaLnBrk="0" fontAlgn="base" hangingPunct="0">
+              <a:spcBef>
+                <a:spcPct val="0"/>
+              </a:spcBef>
+              <a:spcAft>
+                <a:spcPct val="0"/>
+              </a:spcAft>
+            </a:pPr>
+            <a:r>
+              <a:rPr lang="zh-CN" altLang="en-US" sz="2400" dirty="0"/>
+              <a:t>还有人会说，如果征收了道路拥堵费，其他道路出行的方式就会产生新的拥堵，这是自然的。我们要让每一种交通出行的方式，都有它的价格，都通过价格来调整。</a:t>
+            </a:r>
+            <a:br>
+              <a:rPr lang="zh-CN" altLang="en-US" sz="2400" dirty="0"/>
+            </a:br>
+            <a:r>
+              <a:rPr lang="zh-CN" altLang="en-US" sz="2400" dirty="0"/>
+              <a:t>猪肉贵了牛肉当然会贵，牛肉贵了鸡肉也会贵，这时候人们就可以根据不同食品的稀缺程度，来选择他们的需要，从而使资源能够达到最佳的配置。</a:t>
+            </a:r>
+            <a:endParaRPr kumimoji="0" lang="zh-CN" altLang="zh-CN" sz="2400" b="0" i="0" u="none" strike="noStrike" cap="none" normalizeH="0" baseline="0" dirty="0">
+              <a:ln>
+                <a:noFill/>
+              </a:ln>
+              <a:solidFill>
+                <a:schemeClr val="tx1"/>
+              </a:solidFill>
+              <a:effectLst/>
+              <a:latin typeface="Arial" charset="0"/>
+            </a:endParaRPr>
+          </a:p>
+        </p:txBody>
+      </p:sp>
+      <p:sp>
+        <p:nvSpPr>
+          <p:cNvPr id="7" name="AutoShape 4" descr="https://wx2.qq.com/cgi-bin/mmwebwx-bin/webwxgeticon?seq=1904718054&amp;username=@551ae87aa82b3afc8bb470784657bd546e4c276413aefee5c61fb1c7e643ab11&amp;skey=@crypt_37a45a30_b6c2817f85c988af96a6c6778b8e3d60"/>
+          <p:cNvSpPr>
+            <a:spLocks noChangeAspect="1" noChangeArrowheads="1"/>
+          </p:cNvSpPr>
+          <p:nvPr/>
+        </p:nvSpPr>
+        <p:spPr bwMode="auto">
+          <a:xfrm>
+            <a:off x="0" y="0"/>
+            <a:ext cx="304800" cy="304800"/>
+          </a:xfrm>
+          <a:prstGeom prst="rect">
+            <a:avLst/>
+          </a:prstGeom>
+          <a:noFill/>
+          <a:extLst>
+            <a:ext uri="{909E8E84-426E-40DD-AFC4-6F175D3DCCD1}">
+              <a14:hiddenFill xmlns:a14="http://schemas.microsoft.com/office/drawing/2010/main">
+                <a:solidFill>
+                  <a:srgbClr val="FFFFFF"/>
+                </a:solidFill>
+              </a14:hiddenFill>
+            </a:ext>
+          </a:extLst>
+        </p:spPr>
+        <p:txBody>
+          <a:bodyPr vert="horz" wrap="square" lIns="91440" tIns="45720" rIns="91440" bIns="45720" numCol="1" anchor="t" anchorCtr="0" compatLnSpc="1">
+            <a:prstTxWarp prst="textNoShape">
+              <a:avLst/>
+            </a:prstTxWarp>
+          </a:bodyPr>
+          <a:lstStyle/>
+          <a:p>
+            <a:endParaRPr lang="zh-CN" altLang="en-US"/>
+          </a:p>
+        </p:txBody>
+      </p:sp>
+    </p:spTree>
+    <p:extLst>
+      <p:ext uri="{BB962C8B-B14F-4D97-AF65-F5344CB8AC3E}">
+        <p14:creationId xmlns:p14="http://schemas.microsoft.com/office/powerpoint/2010/main" val="444958457"/>
       </p:ext>
     </p:extLst>
   </p:cSld>
@@ -3274,4 +5809,265 @@
     </a:ext>
   </a:extLst>
 </a:theme>
+</file>
+
+<file path=ppt/theme/theme2.xml><?xml version="1.0" encoding="utf-8"?>
+<a:theme xmlns:a="http://schemas.openxmlformats.org/drawingml/2006/main" name="Office 主题">
+  <a:themeElements>
+    <a:clrScheme name="Office">
+      <a:dk1>
+        <a:sysClr val="windowText" lastClr="000000"/>
+      </a:dk1>
+      <a:lt1>
+        <a:sysClr val="window" lastClr="FFFFFF"/>
+      </a:lt1>
+      <a:dk2>
+        <a:srgbClr val="44546A"/>
+      </a:dk2>
+      <a:lt2>
+        <a:srgbClr val="E7E6E6"/>
+      </a:lt2>
+      <a:accent1>
+        <a:srgbClr val="5B9BD5"/>
+      </a:accent1>
+      <a:accent2>
+        <a:srgbClr val="ED7D31"/>
+      </a:accent2>
+      <a:accent3>
+        <a:srgbClr val="A5A5A5"/>
+      </a:accent3>
+      <a:accent4>
+        <a:srgbClr val="FFC000"/>
+      </a:accent4>
+      <a:accent5>
+        <a:srgbClr val="4472C4"/>
+      </a:accent5>
+      <a:accent6>
+        <a:srgbClr val="70AD47"/>
+      </a:accent6>
+      <a:hlink>
+        <a:srgbClr val="0563C1"/>
+      </a:hlink>
+      <a:folHlink>
+        <a:srgbClr val="954F72"/>
+      </a:folHlink>
+    </a:clrScheme>
+    <a:fontScheme name="Office">
+      <a:majorFont>
+        <a:latin typeface="DengXian Light" panose="020F0302020204030204"/>
+        <a:ea typeface=""/>
+        <a:cs typeface=""/>
+        <a:font script="Jpan" typeface="Yu Gothic Light"/>
+        <a:font script="Hang" typeface="맑은 고딕"/>
+        <a:font script="Hans" typeface="DengXian Light"/>
+        <a:font script="Hant" typeface="新細明體"/>
+        <a:font script="Arab" typeface="Times New Roman"/>
+        <a:font script="Hebr" typeface="Times New Roman"/>
+        <a:font script="Thai" typeface="Angsana New"/>
+        <a:font script="Ethi" typeface="Nyala"/>
+        <a:font script="Beng" typeface="Vrinda"/>
+        <a:font script="Gujr" typeface="Shruti"/>
+        <a:font script="Khmr" typeface="MoolBoran"/>
+        <a:font script="Knda" typeface="Tunga"/>
+        <a:font script="Guru" typeface="Raavi"/>
+        <a:font script="Cans" typeface="Euphemia"/>
+        <a:font script="Cher" typeface="Plantagenet Cherokee"/>
+        <a:font script="Yiii" typeface="Microsoft Yi Baiti"/>
+        <a:font script="Tibt" typeface="Microsoft Himalaya"/>
+        <a:font script="Thaa" typeface="MV Boli"/>
+        <a:font script="Deva" typeface="Mangal"/>
+        <a:font script="Telu" typeface="Gautami"/>
+        <a:font script="Taml" typeface="Latha"/>
+        <a:font script="Syrc" typeface="Estrangelo Edessa"/>
+        <a:font script="Orya" typeface="Kalinga"/>
+        <a:font script="Mlym" typeface="Kartika"/>
+        <a:font script="Laoo" typeface="DokChampa"/>
+        <a:font script="Sinh" typeface="Iskoola Pota"/>
+        <a:font script="Mong" typeface="Mongolian Baiti"/>
+        <a:font script="Viet" typeface="Times New Roman"/>
+        <a:font script="Uigh" typeface="Microsoft Uighur"/>
+        <a:font script="Geor" typeface="Sylfaen"/>
+      </a:majorFont>
+      <a:minorFont>
+        <a:latin typeface="DengXian" panose="020F0502020204030204"/>
+        <a:ea typeface=""/>
+        <a:cs typeface=""/>
+        <a:font script="Jpan" typeface="Yu Gothic"/>
+        <a:font script="Hang" typeface="맑은 고딕"/>
+        <a:font script="Hans" typeface="DengXian"/>
+        <a:font script="Hant" typeface="新細明體"/>
+        <a:font script="Arab" typeface="Arial"/>
+        <a:font script="Hebr" typeface="Arial"/>
+        <a:font script="Thai" typeface="Cordia New"/>
+        <a:font script="Ethi" typeface="Nyala"/>
+        <a:font script="Beng" typeface="Vrinda"/>
+        <a:font script="Gujr" typeface="Shruti"/>
+        <a:font script="Khmr" typeface="DaunPenh"/>
+        <a:font script="Knda" typeface="Tunga"/>
+        <a:font script="Guru" typeface="Raavi"/>
+        <a:font script="Cans" typeface="Euphemia"/>
+        <a:font script="Cher" typeface="Plantagenet Cherokee"/>
+        <a:font script="Yiii" typeface="Microsoft Yi Baiti"/>
+        <a:font script="Tibt" typeface="Microsoft Himalaya"/>
+        <a:font script="Thaa" typeface="MV Boli"/>
+        <a:font script="Deva" typeface="Mangal"/>
+        <a:font script="Telu" typeface="Gautami"/>
+        <a:font script="Taml" typeface="Latha"/>
+        <a:font script="Syrc" typeface="Estrangelo Edessa"/>
+        <a:font script="Orya" typeface="Kalinga"/>
+        <a:font script="Mlym" typeface="Kartika"/>
+        <a:font script="Laoo" typeface="DokChampa"/>
+        <a:font script="Sinh" typeface="Iskoola Pota"/>
+        <a:font script="Mong" typeface="Mongolian Baiti"/>
+        <a:font script="Viet" typeface="Arial"/>
+        <a:font script="Uigh" typeface="Microsoft Uighur"/>
+        <a:font script="Geor" typeface="Sylfaen"/>
+      </a:minorFont>
+    </a:fontScheme>
+    <a:fmtScheme name="Office">
+      <a:fillStyleLst>
+        <a:solidFill>
+          <a:schemeClr val="phClr"/>
+        </a:solidFill>
+        <a:gradFill rotWithShape="1">
+          <a:gsLst>
+            <a:gs pos="0">
+              <a:schemeClr val="phClr">
+                <a:lumMod val="110000"/>
+                <a:satMod val="105000"/>
+                <a:tint val="67000"/>
+              </a:schemeClr>
+            </a:gs>
+            <a:gs pos="50000">
+              <a:schemeClr val="phClr">
+                <a:lumMod val="105000"/>
+                <a:satMod val="103000"/>
+                <a:tint val="73000"/>
+              </a:schemeClr>
+            </a:gs>
+            <a:gs pos="100000">
+              <a:schemeClr val="phClr">
+                <a:lumMod val="105000"/>
+                <a:satMod val="109000"/>
+                <a:tint val="81000"/>
+              </a:schemeClr>
+            </a:gs>
+          </a:gsLst>
+          <a:lin ang="5400000" scaled="0"/>
+        </a:gradFill>
+        <a:gradFill rotWithShape="1">
+          <a:gsLst>
+            <a:gs pos="0">
+              <a:schemeClr val="phClr">
+                <a:satMod val="103000"/>
+                <a:lumMod val="102000"/>
+                <a:tint val="94000"/>
+              </a:schemeClr>
+            </a:gs>
+            <a:gs pos="50000">
+              <a:schemeClr val="phClr">
+                <a:satMod val="110000"/>
+                <a:lumMod val="100000"/>
+                <a:shade val="100000"/>
+              </a:schemeClr>
+            </a:gs>
+            <a:gs pos="100000">
+              <a:schemeClr val="phClr">
+                <a:lumMod val="99000"/>
+                <a:satMod val="120000"/>
+                <a:shade val="78000"/>
+              </a:schemeClr>
+            </a:gs>
+          </a:gsLst>
+          <a:lin ang="5400000" scaled="0"/>
+        </a:gradFill>
+      </a:fillStyleLst>
+      <a:lnStyleLst>
+        <a:ln w="6350" cap="flat" cmpd="sng" algn="ctr">
+          <a:solidFill>
+            <a:schemeClr val="phClr"/>
+          </a:solidFill>
+          <a:prstDash val="solid"/>
+          <a:miter lim="800000"/>
+        </a:ln>
+        <a:ln w="12700" cap="flat" cmpd="sng" algn="ctr">
+          <a:solidFill>
+            <a:schemeClr val="phClr"/>
+          </a:solidFill>
+          <a:prstDash val="solid"/>
+          <a:miter lim="800000"/>
+        </a:ln>
+        <a:ln w="19050" cap="flat" cmpd="sng" algn="ctr">
+          <a:solidFill>
+            <a:schemeClr val="phClr"/>
+          </a:solidFill>
+          <a:prstDash val="solid"/>
+          <a:miter lim="800000"/>
+        </a:ln>
+      </a:lnStyleLst>
+      <a:effectStyleLst>
+        <a:effectStyle>
+          <a:effectLst/>
+        </a:effectStyle>
+        <a:effectStyle>
+          <a:effectLst/>
+        </a:effectStyle>
+        <a:effectStyle>
+          <a:effectLst>
+            <a:outerShdw blurRad="57150" dist="19050" dir="5400000" algn="ctr" rotWithShape="0">
+              <a:srgbClr val="000000">
+                <a:alpha val="63000"/>
+              </a:srgbClr>
+            </a:outerShdw>
+          </a:effectLst>
+        </a:effectStyle>
+      </a:effectStyleLst>
+      <a:bgFillStyleLst>
+        <a:solidFill>
+          <a:schemeClr val="phClr"/>
+        </a:solidFill>
+        <a:solidFill>
+          <a:schemeClr val="phClr">
+            <a:tint val="95000"/>
+            <a:satMod val="170000"/>
+          </a:schemeClr>
+        </a:solidFill>
+        <a:gradFill rotWithShape="1">
+          <a:gsLst>
+            <a:gs pos="0">
+              <a:schemeClr val="phClr">
+                <a:tint val="93000"/>
+                <a:satMod val="150000"/>
+                <a:shade val="98000"/>
+                <a:lumMod val="102000"/>
+              </a:schemeClr>
+            </a:gs>
+            <a:gs pos="50000">
+              <a:schemeClr val="phClr">
+                <a:tint val="98000"/>
+                <a:satMod val="130000"/>
+                <a:shade val="90000"/>
+                <a:lumMod val="103000"/>
+              </a:schemeClr>
+            </a:gs>
+            <a:gs pos="100000">
+              <a:schemeClr val="phClr">
+                <a:shade val="63000"/>
+                <a:satMod val="120000"/>
+              </a:schemeClr>
+            </a:gs>
+          </a:gsLst>
+          <a:lin ang="5400000" scaled="0"/>
+        </a:gradFill>
+      </a:bgFillStyleLst>
+    </a:fmtScheme>
+  </a:themeElements>
+  <a:objectDefaults/>
+  <a:extraClrSchemeLst/>
+  <a:extLst>
+    <a:ext uri="{05A4C25C-085E-4340-85A3-A5531E510DB2}">
+      <thm15:themeFamily xmlns:thm15="http://schemas.microsoft.com/office/thememl/2012/main" name="Office Theme" id="{62F939B6-93AF-4DB8-9C6B-D6C7DFDC589F}" vid="{4A3C46E8-61CC-4603-A589-7422A47A8E4A}"/>
+    </a:ext>
+  </a:extLst>
+</a:theme>
 </file>
--- a/经济学/拥堵费/拥堵费.pptx
+++ b/经济学/拥堵费/拥堵费.pptx
@@ -5,7 +5,7 @@
     <p:sldMasterId id="2147483648" r:id="rId1"/>
   </p:sldMasterIdLst>
   <p:notesMasterIdLst>
-    <p:notesMasterId r:id="rId13"/>
+    <p:notesMasterId r:id="rId14"/>
   </p:notesMasterIdLst>
   <p:sldIdLst>
     <p:sldId id="256" r:id="rId2"/>
@@ -19,6 +19,7 @@
     <p:sldId id="264" r:id="rId10"/>
     <p:sldId id="265" r:id="rId11"/>
     <p:sldId id="266" r:id="rId12"/>
+    <p:sldId id="267" r:id="rId13"/>
   </p:sldIdLst>
   <p:sldSz cx="12192000" cy="6858000"/>
   <p:notesSz cx="6858000" cy="9144000"/>
@@ -207,7 +208,7 @@
           <a:p>
             <a:fld id="{A8D7EC36-9AFA-3543-AE7C-5600B3A1CE22}" type="datetimeFigureOut">
               <a:rPr kumimoji="1" lang="zh-CN" altLang="en-US" smtClean="0"/>
-              <a:t>2017/8/15</a:t>
+              <a:t>2017/8/17</a:t>
             </a:fld>
             <a:endParaRPr kumimoji="1" lang="zh-CN" altLang="en-US"/>
           </a:p>
@@ -606,7 +607,7 @@
           <a:p>
             <a:fld id="{DF79C491-4B2B-4113-BA86-7BBD2B23571E}" type="datetimeFigureOut">
               <a:rPr lang="zh-CN" altLang="en-US" smtClean="0"/>
-              <a:t>2017/8/15</a:t>
+              <a:t>2017/8/17</a:t>
             </a:fld>
             <a:endParaRPr lang="zh-CN" altLang="en-US"/>
           </a:p>
@@ -776,7 +777,7 @@
           <a:p>
             <a:fld id="{DF79C491-4B2B-4113-BA86-7BBD2B23571E}" type="datetimeFigureOut">
               <a:rPr lang="zh-CN" altLang="en-US" smtClean="0"/>
-              <a:t>2017/8/15</a:t>
+              <a:t>2017/8/17</a:t>
             </a:fld>
             <a:endParaRPr lang="zh-CN" altLang="en-US"/>
           </a:p>
@@ -956,7 +957,7 @@
           <a:p>
             <a:fld id="{DF79C491-4B2B-4113-BA86-7BBD2B23571E}" type="datetimeFigureOut">
               <a:rPr lang="zh-CN" altLang="en-US" smtClean="0"/>
-              <a:t>2017/8/15</a:t>
+              <a:t>2017/8/17</a:t>
             </a:fld>
             <a:endParaRPr lang="zh-CN" altLang="en-US"/>
           </a:p>
@@ -1126,7 +1127,7 @@
           <a:p>
             <a:fld id="{DF79C491-4B2B-4113-BA86-7BBD2B23571E}" type="datetimeFigureOut">
               <a:rPr lang="zh-CN" altLang="en-US" smtClean="0"/>
-              <a:t>2017/8/15</a:t>
+              <a:t>2017/8/17</a:t>
             </a:fld>
             <a:endParaRPr lang="zh-CN" altLang="en-US"/>
           </a:p>
@@ -1372,7 +1373,7 @@
           <a:p>
             <a:fld id="{DF79C491-4B2B-4113-BA86-7BBD2B23571E}" type="datetimeFigureOut">
               <a:rPr lang="zh-CN" altLang="en-US" smtClean="0"/>
-              <a:t>2017/8/15</a:t>
+              <a:t>2017/8/17</a:t>
             </a:fld>
             <a:endParaRPr lang="zh-CN" altLang="en-US"/>
           </a:p>
@@ -1604,7 +1605,7 @@
           <a:p>
             <a:fld id="{DF79C491-4B2B-4113-BA86-7BBD2B23571E}" type="datetimeFigureOut">
               <a:rPr lang="zh-CN" altLang="en-US" smtClean="0"/>
-              <a:t>2017/8/15</a:t>
+              <a:t>2017/8/17</a:t>
             </a:fld>
             <a:endParaRPr lang="zh-CN" altLang="en-US"/>
           </a:p>
@@ -1971,7 +1972,7 @@
           <a:p>
             <a:fld id="{DF79C491-4B2B-4113-BA86-7BBD2B23571E}" type="datetimeFigureOut">
               <a:rPr lang="zh-CN" altLang="en-US" smtClean="0"/>
-              <a:t>2017/8/15</a:t>
+              <a:t>2017/8/17</a:t>
             </a:fld>
             <a:endParaRPr lang="zh-CN" altLang="en-US"/>
           </a:p>
@@ -2089,7 +2090,7 @@
           <a:p>
             <a:fld id="{DF79C491-4B2B-4113-BA86-7BBD2B23571E}" type="datetimeFigureOut">
               <a:rPr lang="zh-CN" altLang="en-US" smtClean="0"/>
-              <a:t>2017/8/15</a:t>
+              <a:t>2017/8/17</a:t>
             </a:fld>
             <a:endParaRPr lang="zh-CN" altLang="en-US"/>
           </a:p>
@@ -2184,7 +2185,7 @@
           <a:p>
             <a:fld id="{DF79C491-4B2B-4113-BA86-7BBD2B23571E}" type="datetimeFigureOut">
               <a:rPr lang="zh-CN" altLang="en-US" smtClean="0"/>
-              <a:t>2017/8/15</a:t>
+              <a:t>2017/8/17</a:t>
             </a:fld>
             <a:endParaRPr lang="zh-CN" altLang="en-US"/>
           </a:p>
@@ -2461,7 +2462,7 @@
           <a:p>
             <a:fld id="{DF79C491-4B2B-4113-BA86-7BBD2B23571E}" type="datetimeFigureOut">
               <a:rPr lang="zh-CN" altLang="en-US" smtClean="0"/>
-              <a:t>2017/8/15</a:t>
+              <a:t>2017/8/17</a:t>
             </a:fld>
             <a:endParaRPr lang="zh-CN" altLang="en-US"/>
           </a:p>
@@ -2714,7 +2715,7 @@
           <a:p>
             <a:fld id="{DF79C491-4B2B-4113-BA86-7BBD2B23571E}" type="datetimeFigureOut">
               <a:rPr lang="zh-CN" altLang="en-US" smtClean="0"/>
-              <a:t>2017/8/15</a:t>
+              <a:t>2017/8/17</a:t>
             </a:fld>
             <a:endParaRPr lang="zh-CN" altLang="en-US"/>
           </a:p>
@@ -2927,7 +2928,7 @@
           <a:p>
             <a:fld id="{DF79C491-4B2B-4113-BA86-7BBD2B23571E}" type="datetimeFigureOut">
               <a:rPr lang="zh-CN" altLang="en-US" smtClean="0"/>
-              <a:t>2017/8/15</a:t>
+              <a:t>2017/8/17</a:t>
             </a:fld>
             <a:endParaRPr lang="zh-CN" altLang="en-US"/>
           </a:p>
@@ -3503,7 +3504,6 @@
               <a:rPr lang="zh-CN" altLang="en-US" sz="3600" dirty="0"/>
               <a:t>征收拥堵费有益于穷人</a:t>
             </a:r>
-            <a:endParaRPr lang="zh-CN" altLang="en-US" sz="3600" dirty="0"/>
           </a:p>
         </p:txBody>
       </p:sp>
@@ -3765,6 +3765,672 @@
 </p:sld>
 </file>
 
+<file path=ppt/slides/slide12.xml><?xml version="1.0" encoding="utf-8"?>
+<p:sld xmlns:a="http://schemas.openxmlformats.org/drawingml/2006/main" xmlns:r="http://schemas.openxmlformats.org/officeDocument/2006/relationships" xmlns:p="http://schemas.openxmlformats.org/presentationml/2006/main">
+  <p:cSld>
+    <p:spTree>
+      <p:nvGrpSpPr>
+        <p:cNvPr id="1" name=""/>
+        <p:cNvGrpSpPr/>
+        <p:nvPr/>
+      </p:nvGrpSpPr>
+      <p:grpSpPr>
+        <a:xfrm>
+          <a:off x="0" y="0"/>
+          <a:ext cx="0" cy="0"/>
+          <a:chOff x="0" y="0"/>
+          <a:chExt cx="0" cy="0"/>
+        </a:xfrm>
+      </p:grpSpPr>
+      <p:sp>
+        <p:nvSpPr>
+          <p:cNvPr id="7" name="AutoShape 4" descr="https://wx2.qq.com/cgi-bin/mmwebwx-bin/webwxgeticon?seq=1904718054&amp;username=@551ae87aa82b3afc8bb470784657bd546e4c276413aefee5c61fb1c7e643ab11&amp;skey=@crypt_37a45a30_b6c2817f85c988af96a6c6778b8e3d60"/>
+          <p:cNvSpPr>
+            <a:spLocks noChangeAspect="1" noChangeArrowheads="1"/>
+          </p:cNvSpPr>
+          <p:nvPr/>
+        </p:nvSpPr>
+        <p:spPr bwMode="auto">
+          <a:xfrm>
+            <a:off x="0" y="0"/>
+            <a:ext cx="304800" cy="304800"/>
+          </a:xfrm>
+          <a:prstGeom prst="rect">
+            <a:avLst/>
+          </a:prstGeom>
+          <a:noFill/>
+          <a:extLst>
+            <a:ext uri="{909E8E84-426E-40DD-AFC4-6F175D3DCCD1}">
+              <a14:hiddenFill xmlns:a14="http://schemas.microsoft.com/office/drawing/2010/main">
+                <a:solidFill>
+                  <a:srgbClr val="FFFFFF"/>
+                </a:solidFill>
+              </a14:hiddenFill>
+            </a:ext>
+          </a:extLst>
+        </p:spPr>
+        <p:txBody>
+          <a:bodyPr vert="horz" wrap="square" lIns="91440" tIns="45720" rIns="91440" bIns="45720" numCol="1" anchor="t" anchorCtr="0" compatLnSpc="1">
+            <a:prstTxWarp prst="textNoShape">
+              <a:avLst/>
+            </a:prstTxWarp>
+          </a:bodyPr>
+          <a:lstStyle/>
+          <a:p>
+            <a:endParaRPr lang="zh-CN" altLang="en-US"/>
+          </a:p>
+        </p:txBody>
+      </p:sp>
+      <p:sp>
+        <p:nvSpPr>
+          <p:cNvPr id="4" name="矩形 3"/>
+          <p:cNvSpPr/>
+          <p:nvPr/>
+        </p:nvSpPr>
+        <p:spPr>
+          <a:xfrm>
+            <a:off x="679267" y="387765"/>
+            <a:ext cx="11277601" cy="3108543"/>
+          </a:xfrm>
+          <a:prstGeom prst="rect">
+            <a:avLst/>
+          </a:prstGeom>
+        </p:spPr>
+        <p:txBody>
+          <a:bodyPr wrap="square">
+            <a:spAutoFit/>
+          </a:bodyPr>
+          <a:lstStyle/>
+          <a:p>
+            <a:pPr algn="just"/>
+            <a:r>
+              <a:rPr lang="zh-CN" altLang="en-US" sz="1400" dirty="0">
+                <a:solidFill>
+                  <a:srgbClr val="404040"/>
+                </a:solidFill>
+                <a:latin typeface="Microsoft Yahei" panose="020B0503020204020204" pitchFamily="34" charset="-122"/>
+                <a:ea typeface="Microsoft Yahei" panose="020B0503020204020204" pitchFamily="34" charset="-122"/>
+              </a:rPr>
+              <a:t>最早收拥堵费的国家是新加坡，早在</a:t>
+            </a:r>
+            <a:r>
+              <a:rPr lang="en-US" altLang="zh-CN" sz="1400" dirty="0">
+                <a:solidFill>
+                  <a:srgbClr val="404040"/>
+                </a:solidFill>
+                <a:latin typeface="Microsoft Yahei" panose="020B0503020204020204" pitchFamily="34" charset="-122"/>
+                <a:ea typeface="Microsoft Yahei" panose="020B0503020204020204" pitchFamily="34" charset="-122"/>
+              </a:rPr>
+              <a:t>1975</a:t>
+            </a:r>
+            <a:r>
+              <a:rPr lang="zh-CN" altLang="en-US" sz="1400" dirty="0">
+                <a:solidFill>
+                  <a:srgbClr val="404040"/>
+                </a:solidFill>
+                <a:latin typeface="Microsoft Yahei" panose="020B0503020204020204" pitchFamily="34" charset="-122"/>
+                <a:ea typeface="Microsoft Yahei" panose="020B0503020204020204" pitchFamily="34" charset="-122"/>
+              </a:rPr>
+              <a:t>年，新加坡就开始在市中心</a:t>
+            </a:r>
+            <a:r>
+              <a:rPr lang="en-US" altLang="zh-CN" sz="1400" dirty="0">
+                <a:solidFill>
+                  <a:srgbClr val="404040"/>
+                </a:solidFill>
+                <a:latin typeface="Microsoft Yahei" panose="020B0503020204020204" pitchFamily="34" charset="-122"/>
+                <a:ea typeface="Microsoft Yahei" panose="020B0503020204020204" pitchFamily="34" charset="-122"/>
+              </a:rPr>
+              <a:t>6</a:t>
+            </a:r>
+            <a:r>
+              <a:rPr lang="zh-CN" altLang="en-US" sz="1400" dirty="0">
+                <a:solidFill>
+                  <a:srgbClr val="404040"/>
+                </a:solidFill>
+                <a:latin typeface="Microsoft Yahei" panose="020B0503020204020204" pitchFamily="34" charset="-122"/>
+                <a:ea typeface="Microsoft Yahei" panose="020B0503020204020204" pitchFamily="34" charset="-122"/>
+              </a:rPr>
+              <a:t>平方公里的控制区域征收“交通拥堵费”，除了公交车辆之外，进入收费区的车辆都要缴费。当时限于技术落后，只能人工收费，要求进入中心区的车辆必须购买“区域通行证”，否则就视为违法。后来，科技使收费进步，在</a:t>
+            </a:r>
+            <a:r>
+              <a:rPr lang="en-US" altLang="zh-CN" sz="1400" dirty="0">
+                <a:solidFill>
+                  <a:srgbClr val="404040"/>
+                </a:solidFill>
+                <a:latin typeface="Microsoft Yahei" panose="020B0503020204020204" pitchFamily="34" charset="-122"/>
+                <a:ea typeface="Microsoft Yahei" panose="020B0503020204020204" pitchFamily="34" charset="-122"/>
+              </a:rPr>
+              <a:t>1998</a:t>
+            </a:r>
+            <a:r>
+              <a:rPr lang="zh-CN" altLang="en-US" sz="1400" dirty="0">
+                <a:solidFill>
+                  <a:srgbClr val="404040"/>
+                </a:solidFill>
+                <a:latin typeface="Microsoft Yahei" panose="020B0503020204020204" pitchFamily="34" charset="-122"/>
+                <a:ea typeface="Microsoft Yahei" panose="020B0503020204020204" pitchFamily="34" charset="-122"/>
+              </a:rPr>
+              <a:t>年，新加坡成为全球第一个实行公路电子收费的城市。新加坡除了自行车以外的所有车辆，都会安装一个手掌大小的传感器，可以插入现金储值卡。当经过电子收费系统时自动扫描扣费。效果怎么样呢？据说疗效特别好，高峰路段平均车速提升近</a:t>
+            </a:r>
+            <a:r>
+              <a:rPr lang="en-US" altLang="zh-CN" sz="1400" dirty="0">
+                <a:solidFill>
+                  <a:srgbClr val="404040"/>
+                </a:solidFill>
+                <a:latin typeface="Microsoft Yahei" panose="020B0503020204020204" pitchFamily="34" charset="-122"/>
+                <a:ea typeface="Microsoft Yahei" panose="020B0503020204020204" pitchFamily="34" charset="-122"/>
+              </a:rPr>
+              <a:t>20%</a:t>
+            </a:r>
+            <a:r>
+              <a:rPr lang="zh-CN" altLang="en-US" sz="1400" dirty="0">
+                <a:solidFill>
+                  <a:srgbClr val="404040"/>
+                </a:solidFill>
+                <a:latin typeface="Microsoft Yahei" panose="020B0503020204020204" pitchFamily="34" charset="-122"/>
+                <a:ea typeface="Microsoft Yahei" panose="020B0503020204020204" pitchFamily="34" charset="-122"/>
+              </a:rPr>
+              <a:t>。</a:t>
+            </a:r>
+          </a:p>
+          <a:p>
+            <a:pPr algn="just"/>
+            <a:r>
+              <a:rPr lang="zh-CN" altLang="en-US" sz="1400" dirty="0">
+                <a:solidFill>
+                  <a:srgbClr val="404040"/>
+                </a:solidFill>
+                <a:latin typeface="Microsoft Yahei" panose="020B0503020204020204" pitchFamily="34" charset="-122"/>
+                <a:ea typeface="Microsoft Yahei" panose="020B0503020204020204" pitchFamily="34" charset="-122"/>
+              </a:rPr>
+              <a:t>疗效好就有照方抓药的，</a:t>
+            </a:r>
+            <a:r>
+              <a:rPr lang="en-US" altLang="zh-CN" sz="1400" dirty="0">
+                <a:solidFill>
+                  <a:srgbClr val="404040"/>
+                </a:solidFill>
+                <a:latin typeface="Microsoft Yahei" panose="020B0503020204020204" pitchFamily="34" charset="-122"/>
+                <a:ea typeface="Microsoft Yahei" panose="020B0503020204020204" pitchFamily="34" charset="-122"/>
+              </a:rPr>
+              <a:t>2005</a:t>
+            </a:r>
+            <a:r>
+              <a:rPr lang="zh-CN" altLang="en-US" sz="1400" dirty="0">
+                <a:solidFill>
+                  <a:srgbClr val="404040"/>
+                </a:solidFill>
+                <a:latin typeface="Microsoft Yahei" panose="020B0503020204020204" pitchFamily="34" charset="-122"/>
+                <a:ea typeface="Microsoft Yahei" panose="020B0503020204020204" pitchFamily="34" charset="-122"/>
+              </a:rPr>
+              <a:t>年，瑞典首都斯德哥尔摩效仿新加坡和伦敦，从上午</a:t>
+            </a:r>
+            <a:r>
+              <a:rPr lang="en-US" altLang="zh-CN" sz="1400" dirty="0">
+                <a:solidFill>
+                  <a:srgbClr val="404040"/>
+                </a:solidFill>
+                <a:latin typeface="Microsoft Yahei" panose="020B0503020204020204" pitchFamily="34" charset="-122"/>
+                <a:ea typeface="Microsoft Yahei" panose="020B0503020204020204" pitchFamily="34" charset="-122"/>
+              </a:rPr>
+              <a:t>6:30</a:t>
+            </a:r>
+            <a:r>
+              <a:rPr lang="zh-CN" altLang="en-US" sz="1400" dirty="0">
+                <a:solidFill>
+                  <a:srgbClr val="404040"/>
+                </a:solidFill>
+                <a:latin typeface="Microsoft Yahei" panose="020B0503020204020204" pitchFamily="34" charset="-122"/>
+                <a:ea typeface="Microsoft Yahei" panose="020B0503020204020204" pitchFamily="34" charset="-122"/>
+              </a:rPr>
+              <a:t>到下午</a:t>
+            </a:r>
+            <a:r>
+              <a:rPr lang="en-US" altLang="zh-CN" sz="1400" dirty="0">
+                <a:solidFill>
+                  <a:srgbClr val="404040"/>
+                </a:solidFill>
+                <a:latin typeface="Microsoft Yahei" panose="020B0503020204020204" pitchFamily="34" charset="-122"/>
+                <a:ea typeface="Microsoft Yahei" panose="020B0503020204020204" pitchFamily="34" charset="-122"/>
+              </a:rPr>
+              <a:t>6:30</a:t>
+            </a:r>
+            <a:r>
+              <a:rPr lang="zh-CN" altLang="en-US" sz="1400" dirty="0">
+                <a:solidFill>
+                  <a:srgbClr val="404040"/>
+                </a:solidFill>
+                <a:latin typeface="Microsoft Yahei" panose="020B0503020204020204" pitchFamily="34" charset="-122"/>
+                <a:ea typeface="Microsoft Yahei" panose="020B0503020204020204" pitchFamily="34" charset="-122"/>
+              </a:rPr>
+              <a:t>，开车的在进城或出城时必须支付</a:t>
+            </a:r>
+            <a:r>
+              <a:rPr lang="en-US" altLang="zh-CN" sz="1400" dirty="0">
+                <a:solidFill>
+                  <a:srgbClr val="404040"/>
+                </a:solidFill>
+                <a:latin typeface="Microsoft Yahei" panose="020B0503020204020204" pitchFamily="34" charset="-122"/>
+                <a:ea typeface="Microsoft Yahei" panose="020B0503020204020204" pitchFamily="34" charset="-122"/>
+              </a:rPr>
+              <a:t>10</a:t>
+            </a:r>
+            <a:r>
+              <a:rPr lang="zh-CN" altLang="en-US" sz="1400" dirty="0">
+                <a:solidFill>
+                  <a:srgbClr val="404040"/>
+                </a:solidFill>
+                <a:latin typeface="Microsoft Yahei" panose="020B0503020204020204" pitchFamily="34" charset="-122"/>
+                <a:ea typeface="Microsoft Yahei" panose="020B0503020204020204" pitchFamily="34" charset="-122"/>
+              </a:rPr>
+              <a:t>到</a:t>
+            </a:r>
+            <a:r>
+              <a:rPr lang="en-US" altLang="zh-CN" sz="1400" dirty="0">
+                <a:solidFill>
+                  <a:srgbClr val="404040"/>
+                </a:solidFill>
+                <a:latin typeface="Microsoft Yahei" panose="020B0503020204020204" pitchFamily="34" charset="-122"/>
+                <a:ea typeface="Microsoft Yahei" panose="020B0503020204020204" pitchFamily="34" charset="-122"/>
+              </a:rPr>
+              <a:t>20</a:t>
+            </a:r>
+            <a:r>
+              <a:rPr lang="zh-CN" altLang="en-US" sz="1400" dirty="0">
+                <a:solidFill>
+                  <a:srgbClr val="404040"/>
+                </a:solidFill>
+                <a:latin typeface="Microsoft Yahei" panose="020B0503020204020204" pitchFamily="34" charset="-122"/>
+                <a:ea typeface="Microsoft Yahei" panose="020B0503020204020204" pitchFamily="34" charset="-122"/>
+              </a:rPr>
+              <a:t>瑞典克朗不等的拥堵费。具体金额要根据不同的时段收取，但是每天最多不超过</a:t>
+            </a:r>
+            <a:r>
+              <a:rPr lang="en-US" altLang="zh-CN" sz="1400" dirty="0">
+                <a:solidFill>
+                  <a:srgbClr val="404040"/>
+                </a:solidFill>
+                <a:latin typeface="Microsoft Yahei" panose="020B0503020204020204" pitchFamily="34" charset="-122"/>
+                <a:ea typeface="Microsoft Yahei" panose="020B0503020204020204" pitchFamily="34" charset="-122"/>
+              </a:rPr>
+              <a:t>60</a:t>
+            </a:r>
+            <a:r>
+              <a:rPr lang="zh-CN" altLang="en-US" sz="1400" dirty="0">
+                <a:solidFill>
+                  <a:srgbClr val="404040"/>
+                </a:solidFill>
+                <a:latin typeface="Microsoft Yahei" panose="020B0503020204020204" pitchFamily="34" charset="-122"/>
+                <a:ea typeface="Microsoft Yahei" panose="020B0503020204020204" pitchFamily="34" charset="-122"/>
+              </a:rPr>
+              <a:t>瑞典克朗。在</a:t>
+            </a:r>
+            <a:r>
+              <a:rPr lang="en-US" altLang="zh-CN" sz="1400" dirty="0">
+                <a:solidFill>
+                  <a:srgbClr val="404040"/>
+                </a:solidFill>
+                <a:latin typeface="Microsoft Yahei" panose="020B0503020204020204" pitchFamily="34" charset="-122"/>
+                <a:ea typeface="Microsoft Yahei" panose="020B0503020204020204" pitchFamily="34" charset="-122"/>
+              </a:rPr>
+              <a:t>2006</a:t>
+            </a:r>
+            <a:r>
+              <a:rPr lang="zh-CN" altLang="en-US" sz="1400" dirty="0">
+                <a:solidFill>
+                  <a:srgbClr val="404040"/>
+                </a:solidFill>
+                <a:latin typeface="Microsoft Yahei" panose="020B0503020204020204" pitchFamily="34" charset="-122"/>
+                <a:ea typeface="Microsoft Yahei" panose="020B0503020204020204" pitchFamily="34" charset="-122"/>
+              </a:rPr>
+              <a:t>年初，斯德哥尔摩市内及周边的交通量减少了</a:t>
+            </a:r>
+            <a:r>
+              <a:rPr lang="en-US" altLang="zh-CN" sz="1400" dirty="0">
+                <a:solidFill>
+                  <a:srgbClr val="404040"/>
+                </a:solidFill>
+                <a:latin typeface="Microsoft Yahei" panose="020B0503020204020204" pitchFamily="34" charset="-122"/>
+                <a:ea typeface="Microsoft Yahei" panose="020B0503020204020204" pitchFamily="34" charset="-122"/>
+              </a:rPr>
+              <a:t>20%</a:t>
+            </a:r>
+            <a:r>
+              <a:rPr lang="zh-CN" altLang="en-US" sz="1400" dirty="0">
+                <a:solidFill>
+                  <a:srgbClr val="404040"/>
+                </a:solidFill>
+                <a:latin typeface="Microsoft Yahei" panose="020B0503020204020204" pitchFamily="34" charset="-122"/>
+                <a:ea typeface="Microsoft Yahei" panose="020B0503020204020204" pitchFamily="34" charset="-122"/>
+              </a:rPr>
+              <a:t>。您肯定也注意到了，斯德哥尔摩除了按区域收拥堵费，还加入了按时收拥堵费，这一手就是跟伦敦学的，伦敦从</a:t>
+            </a:r>
+            <a:r>
+              <a:rPr lang="en-US" altLang="zh-CN" sz="1400" dirty="0">
+                <a:solidFill>
+                  <a:srgbClr val="404040"/>
+                </a:solidFill>
+                <a:latin typeface="Microsoft Yahei" panose="020B0503020204020204" pitchFamily="34" charset="-122"/>
+                <a:ea typeface="Microsoft Yahei" panose="020B0503020204020204" pitchFamily="34" charset="-122"/>
+              </a:rPr>
+              <a:t>2003</a:t>
+            </a:r>
+            <a:r>
+              <a:rPr lang="zh-CN" altLang="en-US" sz="1400" dirty="0">
+                <a:solidFill>
+                  <a:srgbClr val="404040"/>
+                </a:solidFill>
+                <a:latin typeface="Microsoft Yahei" panose="020B0503020204020204" pitchFamily="34" charset="-122"/>
+                <a:ea typeface="Microsoft Yahei" panose="020B0503020204020204" pitchFamily="34" charset="-122"/>
+              </a:rPr>
+              <a:t>年起开始征收拥堵费，划定收费区域约为</a:t>
+            </a:r>
+            <a:r>
+              <a:rPr lang="en-US" altLang="zh-CN" sz="1400" dirty="0">
+                <a:solidFill>
+                  <a:srgbClr val="404040"/>
+                </a:solidFill>
+                <a:latin typeface="Microsoft Yahei" panose="020B0503020204020204" pitchFamily="34" charset="-122"/>
+                <a:ea typeface="Microsoft Yahei" panose="020B0503020204020204" pitchFamily="34" charset="-122"/>
+              </a:rPr>
+              <a:t>20</a:t>
+            </a:r>
+            <a:r>
+              <a:rPr lang="zh-CN" altLang="en-US" sz="1400" dirty="0">
+                <a:solidFill>
+                  <a:srgbClr val="404040"/>
+                </a:solidFill>
+                <a:latin typeface="Microsoft Yahei" panose="020B0503020204020204" pitchFamily="34" charset="-122"/>
+                <a:ea typeface="Microsoft Yahei" panose="020B0503020204020204" pitchFamily="34" charset="-122"/>
+              </a:rPr>
+              <a:t>平方公里。周一到周五早</a:t>
+            </a:r>
+            <a:r>
+              <a:rPr lang="en-US" altLang="zh-CN" sz="1400" dirty="0">
+                <a:solidFill>
+                  <a:srgbClr val="404040"/>
+                </a:solidFill>
+                <a:latin typeface="Microsoft Yahei" panose="020B0503020204020204" pitchFamily="34" charset="-122"/>
+                <a:ea typeface="Microsoft Yahei" panose="020B0503020204020204" pitchFamily="34" charset="-122"/>
+              </a:rPr>
+              <a:t>7</a:t>
+            </a:r>
+            <a:r>
+              <a:rPr lang="zh-CN" altLang="en-US" sz="1400" dirty="0">
+                <a:solidFill>
+                  <a:srgbClr val="404040"/>
+                </a:solidFill>
+                <a:latin typeface="Microsoft Yahei" panose="020B0503020204020204" pitchFamily="34" charset="-122"/>
+                <a:ea typeface="Microsoft Yahei" panose="020B0503020204020204" pitchFamily="34" charset="-122"/>
+              </a:rPr>
+              <a:t>点到晚</a:t>
+            </a:r>
+            <a:r>
+              <a:rPr lang="en-US" altLang="zh-CN" sz="1400" dirty="0">
+                <a:solidFill>
+                  <a:srgbClr val="404040"/>
+                </a:solidFill>
+                <a:latin typeface="Microsoft Yahei" panose="020B0503020204020204" pitchFamily="34" charset="-122"/>
+                <a:ea typeface="Microsoft Yahei" panose="020B0503020204020204" pitchFamily="34" charset="-122"/>
+              </a:rPr>
+              <a:t>6</a:t>
+            </a:r>
+            <a:r>
+              <a:rPr lang="zh-CN" altLang="en-US" sz="1400" dirty="0">
+                <a:solidFill>
+                  <a:srgbClr val="404040"/>
+                </a:solidFill>
+                <a:latin typeface="Microsoft Yahei" panose="020B0503020204020204" pitchFamily="34" charset="-122"/>
+                <a:ea typeface="Microsoft Yahei" panose="020B0503020204020204" pitchFamily="34" charset="-122"/>
+              </a:rPr>
+              <a:t>点半之间，开车进入地区的司机每天必须缴纳</a:t>
+            </a:r>
+            <a:r>
+              <a:rPr lang="en-US" altLang="zh-CN" sz="1400" dirty="0">
+                <a:solidFill>
+                  <a:srgbClr val="404040"/>
+                </a:solidFill>
+                <a:latin typeface="Microsoft Yahei" panose="020B0503020204020204" pitchFamily="34" charset="-122"/>
+                <a:ea typeface="Microsoft Yahei" panose="020B0503020204020204" pitchFamily="34" charset="-122"/>
+              </a:rPr>
+              <a:t>10</a:t>
+            </a:r>
+            <a:r>
+              <a:rPr lang="zh-CN" altLang="en-US" sz="1400" dirty="0">
+                <a:solidFill>
+                  <a:srgbClr val="404040"/>
+                </a:solidFill>
+                <a:latin typeface="Microsoft Yahei" panose="020B0503020204020204" pitchFamily="34" charset="-122"/>
+                <a:ea typeface="Microsoft Yahei" panose="020B0503020204020204" pitchFamily="34" charset="-122"/>
+              </a:rPr>
+              <a:t>英镑拥堵费。不过尽管伦敦的拥堵费价格在过去</a:t>
+            </a:r>
+            <a:r>
+              <a:rPr lang="en-US" altLang="zh-CN" sz="1400" dirty="0">
+                <a:solidFill>
+                  <a:srgbClr val="404040"/>
+                </a:solidFill>
+                <a:latin typeface="Microsoft Yahei" panose="020B0503020204020204" pitchFamily="34" charset="-122"/>
+                <a:ea typeface="Microsoft Yahei" panose="020B0503020204020204" pitchFamily="34" charset="-122"/>
+              </a:rPr>
+              <a:t>10</a:t>
+            </a:r>
+            <a:r>
+              <a:rPr lang="zh-CN" altLang="en-US" sz="1400" dirty="0">
+                <a:solidFill>
+                  <a:srgbClr val="404040"/>
+                </a:solidFill>
+                <a:latin typeface="Microsoft Yahei" panose="020B0503020204020204" pitchFamily="34" charset="-122"/>
+                <a:ea typeface="Microsoft Yahei" panose="020B0503020204020204" pitchFamily="34" charset="-122"/>
+              </a:rPr>
+              <a:t>年中翻了一番，但是效果却在不断减弱。同时，伦敦收拥堵费这事儿还引起了外国使馆的反感，至今德国、日本、俄罗斯和美国等大使馆的车辆依然拒绝向伦敦市政府交纳拥堵费。</a:t>
+            </a:r>
+          </a:p>
+          <a:p>
+            <a:pPr algn="just"/>
+            <a:r>
+              <a:rPr lang="zh-CN" altLang="en-US" sz="1400" dirty="0">
+                <a:solidFill>
+                  <a:srgbClr val="404040"/>
+                </a:solidFill>
+                <a:latin typeface="Microsoft Yahei" panose="020B0503020204020204" pitchFamily="34" charset="-122"/>
+                <a:ea typeface="Microsoft Yahei" panose="020B0503020204020204" pitchFamily="34" charset="-122"/>
+              </a:rPr>
+              <a:t>有没有征收拥堵费失败的案例，还真有！美国第一大城市纽约，在</a:t>
+            </a:r>
+            <a:r>
+              <a:rPr lang="en-US" altLang="zh-CN" sz="1400" dirty="0">
+                <a:solidFill>
+                  <a:srgbClr val="404040"/>
+                </a:solidFill>
+                <a:latin typeface="Microsoft Yahei" panose="020B0503020204020204" pitchFamily="34" charset="-122"/>
+                <a:ea typeface="Microsoft Yahei" panose="020B0503020204020204" pitchFamily="34" charset="-122"/>
+              </a:rPr>
+              <a:t>2008</a:t>
+            </a:r>
+            <a:r>
+              <a:rPr lang="zh-CN" altLang="en-US" sz="1400" dirty="0">
+                <a:solidFill>
+                  <a:srgbClr val="404040"/>
+                </a:solidFill>
+                <a:latin typeface="Microsoft Yahei" panose="020B0503020204020204" pitchFamily="34" charset="-122"/>
+                <a:ea typeface="Microsoft Yahei" panose="020B0503020204020204" pitchFamily="34" charset="-122"/>
+              </a:rPr>
+              <a:t>年，纽约市议会表决通过了在曼哈顿区征收拥堵费的提案，根据提案从早</a:t>
+            </a:r>
+            <a:r>
+              <a:rPr lang="en-US" altLang="zh-CN" sz="1400" dirty="0">
+                <a:solidFill>
+                  <a:srgbClr val="404040"/>
+                </a:solidFill>
+                <a:latin typeface="Microsoft Yahei" panose="020B0503020204020204" pitchFamily="34" charset="-122"/>
+                <a:ea typeface="Microsoft Yahei" panose="020B0503020204020204" pitchFamily="34" charset="-122"/>
+              </a:rPr>
+              <a:t>6</a:t>
+            </a:r>
+            <a:r>
+              <a:rPr lang="zh-CN" altLang="en-US" sz="1400" dirty="0">
+                <a:solidFill>
+                  <a:srgbClr val="404040"/>
+                </a:solidFill>
+                <a:latin typeface="Microsoft Yahei" panose="020B0503020204020204" pitchFamily="34" charset="-122"/>
+                <a:ea typeface="Microsoft Yahei" panose="020B0503020204020204" pitchFamily="34" charset="-122"/>
+              </a:rPr>
+              <a:t>点到晚</a:t>
+            </a:r>
+            <a:r>
+              <a:rPr lang="en-US" altLang="zh-CN" sz="1400" dirty="0">
+                <a:solidFill>
+                  <a:srgbClr val="404040"/>
+                </a:solidFill>
+                <a:latin typeface="Microsoft Yahei" panose="020B0503020204020204" pitchFamily="34" charset="-122"/>
+                <a:ea typeface="Microsoft Yahei" panose="020B0503020204020204" pitchFamily="34" charset="-122"/>
+              </a:rPr>
+              <a:t>6</a:t>
+            </a:r>
+            <a:r>
+              <a:rPr lang="zh-CN" altLang="en-US" sz="1400" dirty="0">
+                <a:solidFill>
+                  <a:srgbClr val="404040"/>
+                </a:solidFill>
+                <a:latin typeface="Microsoft Yahei" panose="020B0503020204020204" pitchFamily="34" charset="-122"/>
+                <a:ea typeface="Microsoft Yahei" panose="020B0503020204020204" pitchFamily="34" charset="-122"/>
+              </a:rPr>
+              <a:t>点纽约市曼哈顿区</a:t>
+            </a:r>
+            <a:r>
+              <a:rPr lang="en-US" altLang="zh-CN" sz="1400" dirty="0">
+                <a:solidFill>
+                  <a:srgbClr val="404040"/>
+                </a:solidFill>
+                <a:latin typeface="Microsoft Yahei" panose="020B0503020204020204" pitchFamily="34" charset="-122"/>
+                <a:ea typeface="Microsoft Yahei" panose="020B0503020204020204" pitchFamily="34" charset="-122"/>
+              </a:rPr>
+              <a:t>60</a:t>
+            </a:r>
+            <a:r>
+              <a:rPr lang="zh-CN" altLang="en-US" sz="1400" dirty="0">
+                <a:solidFill>
+                  <a:srgbClr val="404040"/>
+                </a:solidFill>
+                <a:latin typeface="Microsoft Yahei" panose="020B0503020204020204" pitchFamily="34" charset="-122"/>
+                <a:ea typeface="Microsoft Yahei" panose="020B0503020204020204" pitchFamily="34" charset="-122"/>
+              </a:rPr>
+              <a:t>街以南到华尔街商圈路段加征塞车费，收费标准是轿车每天</a:t>
+            </a:r>
+            <a:r>
+              <a:rPr lang="en-US" altLang="zh-CN" sz="1400" dirty="0">
+                <a:solidFill>
+                  <a:srgbClr val="404040"/>
+                </a:solidFill>
+                <a:latin typeface="Microsoft Yahei" panose="020B0503020204020204" pitchFamily="34" charset="-122"/>
+                <a:ea typeface="Microsoft Yahei" panose="020B0503020204020204" pitchFamily="34" charset="-122"/>
+              </a:rPr>
+              <a:t>8</a:t>
+            </a:r>
+            <a:r>
+              <a:rPr lang="zh-CN" altLang="en-US" sz="1400" dirty="0">
+                <a:solidFill>
+                  <a:srgbClr val="404040"/>
+                </a:solidFill>
+                <a:latin typeface="Microsoft Yahei" panose="020B0503020204020204" pitchFamily="34" charset="-122"/>
+                <a:ea typeface="Microsoft Yahei" panose="020B0503020204020204" pitchFamily="34" charset="-122"/>
+              </a:rPr>
+              <a:t>美元，卡车每天</a:t>
+            </a:r>
+            <a:r>
+              <a:rPr lang="en-US" altLang="zh-CN" sz="1400" dirty="0">
+                <a:solidFill>
+                  <a:srgbClr val="404040"/>
+                </a:solidFill>
+                <a:latin typeface="Microsoft Yahei" panose="020B0503020204020204" pitchFamily="34" charset="-122"/>
+                <a:ea typeface="Microsoft Yahei" panose="020B0503020204020204" pitchFamily="34" charset="-122"/>
+              </a:rPr>
+              <a:t>21</a:t>
+            </a:r>
+            <a:r>
+              <a:rPr lang="zh-CN" altLang="en-US" sz="1400" dirty="0">
+                <a:solidFill>
+                  <a:srgbClr val="404040"/>
+                </a:solidFill>
+                <a:latin typeface="Microsoft Yahei" panose="020B0503020204020204" pitchFamily="34" charset="-122"/>
+                <a:ea typeface="Microsoft Yahei" panose="020B0503020204020204" pitchFamily="34" charset="-122"/>
+              </a:rPr>
+              <a:t>美元，而出租车也未能幸免，要多收一美元的附加费，同时，上述路段居民的车库免税优惠被取消了，仅仅</a:t>
+            </a:r>
+            <a:r>
+              <a:rPr lang="en-US" altLang="zh-CN" sz="1400" dirty="0">
+                <a:solidFill>
+                  <a:srgbClr val="404040"/>
+                </a:solidFill>
+                <a:latin typeface="Microsoft Yahei" panose="020B0503020204020204" pitchFamily="34" charset="-122"/>
+                <a:ea typeface="Microsoft Yahei" panose="020B0503020204020204" pitchFamily="34" charset="-122"/>
+              </a:rPr>
+              <a:t>8</a:t>
+            </a:r>
+            <a:r>
+              <a:rPr lang="zh-CN" altLang="en-US" sz="1400" dirty="0">
+                <a:solidFill>
+                  <a:srgbClr val="404040"/>
+                </a:solidFill>
+                <a:latin typeface="Microsoft Yahei" panose="020B0503020204020204" pitchFamily="34" charset="-122"/>
+                <a:ea typeface="Microsoft Yahei" panose="020B0503020204020204" pitchFamily="34" charset="-122"/>
+              </a:rPr>
+              <a:t>天之后，纽约这一拥堵费计划就挂了，因为不光纽约市民反对，就连州议会也都反对。</a:t>
+            </a:r>
+            <a:endParaRPr lang="zh-CN" altLang="en-US" sz="1400" b="0" i="0" dirty="0">
+              <a:solidFill>
+                <a:srgbClr val="404040"/>
+              </a:solidFill>
+              <a:effectLst/>
+              <a:latin typeface="Microsoft Yahei" panose="020B0503020204020204" pitchFamily="34" charset="-122"/>
+              <a:ea typeface="Microsoft Yahei" panose="020B0503020204020204" pitchFamily="34" charset="-122"/>
+            </a:endParaRPr>
+          </a:p>
+        </p:txBody>
+      </p:sp>
+      <p:sp>
+        <p:nvSpPr>
+          <p:cNvPr id="5" name="矩形 4"/>
+          <p:cNvSpPr/>
+          <p:nvPr/>
+        </p:nvSpPr>
+        <p:spPr>
+          <a:xfrm>
+            <a:off x="829962" y="3819100"/>
+            <a:ext cx="5899115" cy="369332"/>
+          </a:xfrm>
+          <a:prstGeom prst="rect">
+            <a:avLst/>
+          </a:prstGeom>
+        </p:spPr>
+        <p:txBody>
+          <a:bodyPr wrap="none">
+            <a:spAutoFit/>
+          </a:bodyPr>
+          <a:lstStyle/>
+          <a:p>
+            <a:r>
+              <a:rPr lang="zh-CN" altLang="en-US" dirty="0"/>
+              <a:t>http://auto.163.com/15/0205/07/AHM1VPCL0008572R.html</a:t>
+            </a:r>
+          </a:p>
+        </p:txBody>
+      </p:sp>
+    </p:spTree>
+    <p:extLst>
+      <p:ext uri="{BB962C8B-B14F-4D97-AF65-F5344CB8AC3E}">
+        <p14:creationId xmlns:p14="http://schemas.microsoft.com/office/powerpoint/2010/main" val="2041859438"/>
+      </p:ext>
+    </p:extLst>
+  </p:cSld>
+  <p:clrMapOvr>
+    <a:masterClrMapping/>
+  </p:clrMapOvr>
+</p:sld>
+</file>
+
 <file path=ppt/slides/slide2.xml><?xml version="1.0" encoding="utf-8"?>
 <p:sld xmlns:a="http://schemas.openxmlformats.org/drawingml/2006/main" xmlns:r="http://schemas.openxmlformats.org/officeDocument/2006/relationships" xmlns:p="http://schemas.openxmlformats.org/presentationml/2006/main">
   <p:cSld>
@@ -3937,7 +4603,6 @@
               <a:rPr lang="zh-CN" altLang="en-US" sz="3600" dirty="0"/>
               <a:t>拥堵费筛选的不是贫富，而是需求</a:t>
             </a:r>
-            <a:endParaRPr lang="zh-CN" altLang="en-US" sz="3600" dirty="0"/>
           </a:p>
         </p:txBody>
       </p:sp>
@@ -4097,7 +4762,6 @@
               <a:rPr lang="zh-CN" altLang="en-US" sz="2000" dirty="0"/>
               <a:t>万不是直升机的钱，是它额外这点功能的钱。就这么一个富豪，他还为自己怎么样在停车场里面省了一点停车费，而感到非常高兴、非常满足。有钱人也要省钱，拥堵费筛选的不是贫富，而是需求。</a:t>
             </a:r>
-            <a:endParaRPr lang="zh-CN" altLang="en-US" sz="2000" dirty="0"/>
           </a:p>
         </p:txBody>
       </p:sp>
@@ -4157,7 +4821,6 @@
               <a:rPr lang="zh-CN" altLang="en-US" sz="3600" dirty="0"/>
               <a:t>交通拥堵费在美国的实践</a:t>
             </a:r>
-            <a:endParaRPr lang="zh-CN" altLang="en-US" sz="3600" dirty="0"/>
           </a:p>
         </p:txBody>
       </p:sp>
@@ -4577,7 +5240,6 @@
               <a:rPr lang="zh-CN" altLang="en-US" sz="3600" dirty="0"/>
               <a:t>无论拥堵费如何使用，征收拥堵费本身都有意义</a:t>
             </a:r>
-            <a:endParaRPr lang="zh-CN" altLang="en-US" sz="3600" dirty="0"/>
           </a:p>
         </p:txBody>
       </p:sp>
@@ -4783,7 +5445,6 @@
               <a:rPr lang="zh-CN" altLang="en-US" sz="3600" dirty="0"/>
               <a:t>征收拥堵费与公车改革无关</a:t>
             </a:r>
-            <a:endParaRPr lang="zh-CN" altLang="en-US" sz="3600" dirty="0"/>
           </a:p>
         </p:txBody>
       </p:sp>
@@ -4982,7 +5643,6 @@
               <a:rPr lang="zh-CN" altLang="en-US" sz="3600" dirty="0"/>
               <a:t>征收拥堵费与优化城市道路可双管齐下</a:t>
             </a:r>
-            <a:endParaRPr lang="zh-CN" altLang="en-US" sz="3600" dirty="0"/>
           </a:p>
         </p:txBody>
       </p:sp>
@@ -5181,7 +5841,6 @@
               <a:rPr lang="zh-CN" altLang="en-US" sz="3600" dirty="0"/>
               <a:t>征收拥堵费可以刺激道路供给</a:t>
             </a:r>
-            <a:endParaRPr lang="zh-CN" altLang="en-US" sz="3600" dirty="0"/>
           </a:p>
         </p:txBody>
       </p:sp>
@@ -5401,7 +6060,6 @@
               <a:rPr lang="zh-CN" altLang="en-US" sz="3600" dirty="0"/>
               <a:t>征收拥堵费的目的就是调节需求</a:t>
             </a:r>
-            <a:endParaRPr lang="zh-CN" altLang="en-US" sz="3600" dirty="0"/>
           </a:p>
         </p:txBody>
       </p:sp>

--- a/经济学/拥堵费/拥堵费.pptx
+++ b/经济学/拥堵费/拥堵费.pptx
@@ -208,7 +208,7 @@
           <a:p>
             <a:fld id="{A8D7EC36-9AFA-3543-AE7C-5600B3A1CE22}" type="datetimeFigureOut">
               <a:rPr kumimoji="1" lang="zh-CN" altLang="en-US" smtClean="0"/>
-              <a:t>2017/8/17</a:t>
+              <a:t>2017/8/17 Thursday</a:t>
             </a:fld>
             <a:endParaRPr kumimoji="1" lang="zh-CN" altLang="en-US"/>
           </a:p>
@@ -607,7 +607,7 @@
           <a:p>
             <a:fld id="{DF79C491-4B2B-4113-BA86-7BBD2B23571E}" type="datetimeFigureOut">
               <a:rPr lang="zh-CN" altLang="en-US" smtClean="0"/>
-              <a:t>2017/8/17</a:t>
+              <a:t>2017/8/17 Thursday</a:t>
             </a:fld>
             <a:endParaRPr lang="zh-CN" altLang="en-US"/>
           </a:p>
@@ -777,7 +777,7 @@
           <a:p>
             <a:fld id="{DF79C491-4B2B-4113-BA86-7BBD2B23571E}" type="datetimeFigureOut">
               <a:rPr lang="zh-CN" altLang="en-US" smtClean="0"/>
-              <a:t>2017/8/17</a:t>
+              <a:t>2017/8/17 Thursday</a:t>
             </a:fld>
             <a:endParaRPr lang="zh-CN" altLang="en-US"/>
           </a:p>
@@ -957,7 +957,7 @@
           <a:p>
             <a:fld id="{DF79C491-4B2B-4113-BA86-7BBD2B23571E}" type="datetimeFigureOut">
               <a:rPr lang="zh-CN" altLang="en-US" smtClean="0"/>
-              <a:t>2017/8/17</a:t>
+              <a:t>2017/8/17 Thursday</a:t>
             </a:fld>
             <a:endParaRPr lang="zh-CN" altLang="en-US"/>
           </a:p>
@@ -1127,7 +1127,7 @@
           <a:p>
             <a:fld id="{DF79C491-4B2B-4113-BA86-7BBD2B23571E}" type="datetimeFigureOut">
               <a:rPr lang="zh-CN" altLang="en-US" smtClean="0"/>
-              <a:t>2017/8/17</a:t>
+              <a:t>2017/8/17 Thursday</a:t>
             </a:fld>
             <a:endParaRPr lang="zh-CN" altLang="en-US"/>
           </a:p>
@@ -1373,7 +1373,7 @@
           <a:p>
             <a:fld id="{DF79C491-4B2B-4113-BA86-7BBD2B23571E}" type="datetimeFigureOut">
               <a:rPr lang="zh-CN" altLang="en-US" smtClean="0"/>
-              <a:t>2017/8/17</a:t>
+              <a:t>2017/8/17 Thursday</a:t>
             </a:fld>
             <a:endParaRPr lang="zh-CN" altLang="en-US"/>
           </a:p>
@@ -1605,7 +1605,7 @@
           <a:p>
             <a:fld id="{DF79C491-4B2B-4113-BA86-7BBD2B23571E}" type="datetimeFigureOut">
               <a:rPr lang="zh-CN" altLang="en-US" smtClean="0"/>
-              <a:t>2017/8/17</a:t>
+              <a:t>2017/8/17 Thursday</a:t>
             </a:fld>
             <a:endParaRPr lang="zh-CN" altLang="en-US"/>
           </a:p>
@@ -1972,7 +1972,7 @@
           <a:p>
             <a:fld id="{DF79C491-4B2B-4113-BA86-7BBD2B23571E}" type="datetimeFigureOut">
               <a:rPr lang="zh-CN" altLang="en-US" smtClean="0"/>
-              <a:t>2017/8/17</a:t>
+              <a:t>2017/8/17 Thursday</a:t>
             </a:fld>
             <a:endParaRPr lang="zh-CN" altLang="en-US"/>
           </a:p>
@@ -2090,7 +2090,7 @@
           <a:p>
             <a:fld id="{DF79C491-4B2B-4113-BA86-7BBD2B23571E}" type="datetimeFigureOut">
               <a:rPr lang="zh-CN" altLang="en-US" smtClean="0"/>
-              <a:t>2017/8/17</a:t>
+              <a:t>2017/8/17 Thursday</a:t>
             </a:fld>
             <a:endParaRPr lang="zh-CN" altLang="en-US"/>
           </a:p>
@@ -2185,7 +2185,7 @@
           <a:p>
             <a:fld id="{DF79C491-4B2B-4113-BA86-7BBD2B23571E}" type="datetimeFigureOut">
               <a:rPr lang="zh-CN" altLang="en-US" smtClean="0"/>
-              <a:t>2017/8/17</a:t>
+              <a:t>2017/8/17 Thursday</a:t>
             </a:fld>
             <a:endParaRPr lang="zh-CN" altLang="en-US"/>
           </a:p>
@@ -2462,7 +2462,7 @@
           <a:p>
             <a:fld id="{DF79C491-4B2B-4113-BA86-7BBD2B23571E}" type="datetimeFigureOut">
               <a:rPr lang="zh-CN" altLang="en-US" smtClean="0"/>
-              <a:t>2017/8/17</a:t>
+              <a:t>2017/8/17 Thursday</a:t>
             </a:fld>
             <a:endParaRPr lang="zh-CN" altLang="en-US"/>
           </a:p>
@@ -2715,7 +2715,7 @@
           <a:p>
             <a:fld id="{DF79C491-4B2B-4113-BA86-7BBD2B23571E}" type="datetimeFigureOut">
               <a:rPr lang="zh-CN" altLang="en-US" smtClean="0"/>
-              <a:t>2017/8/17</a:t>
+              <a:t>2017/8/17 Thursday</a:t>
             </a:fld>
             <a:endParaRPr lang="zh-CN" altLang="en-US"/>
           </a:p>
@@ -2928,7 +2928,7 @@
           <a:p>
             <a:fld id="{DF79C491-4B2B-4113-BA86-7BBD2B23571E}" type="datetimeFigureOut">
               <a:rPr lang="zh-CN" altLang="en-US" smtClean="0"/>
-              <a:t>2017/8/17</a:t>
+              <a:t>2017/8/17 Thursday</a:t>
             </a:fld>
             <a:endParaRPr lang="zh-CN" altLang="en-US"/>
           </a:p>
@@ -3382,7 +3382,7 @@
           <a:lstStyle/>
           <a:p>
             <a:r>
-              <a:rPr lang="zh-CN" altLang="en-US">
+              <a:rPr lang="zh-CN" altLang="en-US" dirty="0">
                 <a:solidFill>
                   <a:srgbClr val="333333"/>
                 </a:solidFill>
@@ -4834,7 +4834,7 @@
         </p:nvSpPr>
         <p:spPr bwMode="auto">
           <a:xfrm>
-            <a:off x="520504" y="1564243"/>
+            <a:off x="534152" y="1301334"/>
             <a:ext cx="11380764" cy="4985980"/>
           </a:xfrm>
           <a:prstGeom prst="rect">
